--- a/images/resources/大模型结构图.pptx
+++ b/images/resources/大模型结构图.pptx
@@ -8,6 +8,7 @@
     <p:sldId id="256" r:id="rId2"/>
     <p:sldId id="257" r:id="rId3"/>
     <p:sldId id="258" r:id="rId4"/>
+    <p:sldId id="259" r:id="rId5"/>
   </p:sldIdLst>
   <p:sldSz cx="12192000" cy="6858000"/>
   <p:notesSz cx="6858000" cy="9144000"/>
@@ -245,7 +246,7 @@
           <a:p>
             <a:fld id="{D997B5FA-0921-464F-AAE1-844C04324D75}" type="datetimeFigureOut">
               <a:rPr lang="zh-CN" altLang="en-US" smtClean="0"/>
-              <a:t>2023/9/15</a:t>
+              <a:t>2023/9/18</a:t>
             </a:fld>
             <a:endParaRPr lang="zh-CN" altLang="en-US"/>
           </a:p>
@@ -410,7 +411,7 @@
           <a:p>
             <a:fld id="{D997B5FA-0921-464F-AAE1-844C04324D75}" type="datetimeFigureOut">
               <a:rPr lang="zh-CN" altLang="en-US" smtClean="0"/>
-              <a:t>2023/9/15</a:t>
+              <a:t>2023/9/18</a:t>
             </a:fld>
             <a:endParaRPr lang="zh-CN" altLang="en-US"/>
           </a:p>
@@ -585,7 +586,7 @@
           <a:p>
             <a:fld id="{D997B5FA-0921-464F-AAE1-844C04324D75}" type="datetimeFigureOut">
               <a:rPr lang="zh-CN" altLang="en-US" smtClean="0"/>
-              <a:t>2023/9/15</a:t>
+              <a:t>2023/9/18</a:t>
             </a:fld>
             <a:endParaRPr lang="zh-CN" altLang="en-US"/>
           </a:p>
@@ -750,7 +751,7 @@
           <a:p>
             <a:fld id="{D997B5FA-0921-464F-AAE1-844C04324D75}" type="datetimeFigureOut">
               <a:rPr lang="zh-CN" altLang="en-US" smtClean="0"/>
-              <a:t>2023/9/15</a:t>
+              <a:t>2023/9/18</a:t>
             </a:fld>
             <a:endParaRPr lang="zh-CN" altLang="en-US"/>
           </a:p>
@@ -991,7 +992,7 @@
           <a:p>
             <a:fld id="{D997B5FA-0921-464F-AAE1-844C04324D75}" type="datetimeFigureOut">
               <a:rPr lang="zh-CN" altLang="en-US" smtClean="0"/>
-              <a:t>2023/9/15</a:t>
+              <a:t>2023/9/18</a:t>
             </a:fld>
             <a:endParaRPr lang="zh-CN" altLang="en-US"/>
           </a:p>
@@ -1218,7 +1219,7 @@
           <a:p>
             <a:fld id="{D997B5FA-0921-464F-AAE1-844C04324D75}" type="datetimeFigureOut">
               <a:rPr lang="zh-CN" altLang="en-US" smtClean="0"/>
-              <a:t>2023/9/15</a:t>
+              <a:t>2023/9/18</a:t>
             </a:fld>
             <a:endParaRPr lang="zh-CN" altLang="en-US"/>
           </a:p>
@@ -1580,7 +1581,7 @@
           <a:p>
             <a:fld id="{D997B5FA-0921-464F-AAE1-844C04324D75}" type="datetimeFigureOut">
               <a:rPr lang="zh-CN" altLang="en-US" smtClean="0"/>
-              <a:t>2023/9/15</a:t>
+              <a:t>2023/9/18</a:t>
             </a:fld>
             <a:endParaRPr lang="zh-CN" altLang="en-US"/>
           </a:p>
@@ -1693,7 +1694,7 @@
           <a:p>
             <a:fld id="{D997B5FA-0921-464F-AAE1-844C04324D75}" type="datetimeFigureOut">
               <a:rPr lang="zh-CN" altLang="en-US" smtClean="0"/>
-              <a:t>2023/9/15</a:t>
+              <a:t>2023/9/18</a:t>
             </a:fld>
             <a:endParaRPr lang="zh-CN" altLang="en-US"/>
           </a:p>
@@ -1783,7 +1784,7 @@
           <a:p>
             <a:fld id="{D997B5FA-0921-464F-AAE1-844C04324D75}" type="datetimeFigureOut">
               <a:rPr lang="zh-CN" altLang="en-US" smtClean="0"/>
-              <a:t>2023/9/15</a:t>
+              <a:t>2023/9/18</a:t>
             </a:fld>
             <a:endParaRPr lang="zh-CN" altLang="en-US"/>
           </a:p>
@@ -2055,7 +2056,7 @@
           <a:p>
             <a:fld id="{D997B5FA-0921-464F-AAE1-844C04324D75}" type="datetimeFigureOut">
               <a:rPr lang="zh-CN" altLang="en-US" smtClean="0"/>
-              <a:t>2023/9/15</a:t>
+              <a:t>2023/9/18</a:t>
             </a:fld>
             <a:endParaRPr lang="zh-CN" altLang="en-US"/>
           </a:p>
@@ -2303,7 +2304,7 @@
           <a:p>
             <a:fld id="{D997B5FA-0921-464F-AAE1-844C04324D75}" type="datetimeFigureOut">
               <a:rPr lang="zh-CN" altLang="en-US" smtClean="0"/>
-              <a:t>2023/9/15</a:t>
+              <a:t>2023/9/18</a:t>
             </a:fld>
             <a:endParaRPr lang="zh-CN" altLang="en-US"/>
           </a:p>
@@ -2511,7 +2512,7 @@
           <a:p>
             <a:fld id="{D997B5FA-0921-464F-AAE1-844C04324D75}" type="datetimeFigureOut">
               <a:rPr lang="zh-CN" altLang="en-US" smtClean="0"/>
-              <a:t>2023/9/15</a:t>
+              <a:t>2023/9/18</a:t>
             </a:fld>
             <a:endParaRPr lang="zh-CN" altLang="en-US"/>
           </a:p>
@@ -3174,7 +3175,6 @@
               <a:rPr lang="en-US" dirty="0"/>
               <a:t>B</a:t>
             </a:r>
-            <a:endParaRPr lang="en-US" dirty="0"/>
           </a:p>
         </p:txBody>
       </p:sp>
@@ -6118,7 +6118,7 @@
         </p:nvSpPr>
         <p:spPr>
           <a:xfrm>
-            <a:off x="7694371" y="2703210"/>
+            <a:off x="7694371" y="2626296"/>
             <a:ext cx="45719" cy="45719"/>
           </a:xfrm>
           <a:prstGeom prst="flowChartConnector">
@@ -6532,6 +6532,3224 @@
         </p:txBody>
       </p:sp>
     </p:spTree>
+  </p:cSld>
+  <p:clrMapOvr>
+    <a:masterClrMapping/>
+  </p:clrMapOvr>
+</p:sld>
+</file>
+
+<file path=ppt/slides/slide4.xml><?xml version="1.0" encoding="utf-8"?>
+<p:sld xmlns:a="http://schemas.openxmlformats.org/drawingml/2006/main" xmlns:r="http://schemas.openxmlformats.org/officeDocument/2006/relationships" xmlns:p="http://schemas.openxmlformats.org/presentationml/2006/main">
+  <p:cSld>
+    <p:spTree>
+      <p:nvGrpSpPr>
+        <p:cNvPr id="1" name=""/>
+        <p:cNvGrpSpPr/>
+        <p:nvPr/>
+      </p:nvGrpSpPr>
+      <p:grpSpPr>
+        <a:xfrm>
+          <a:off x="0" y="0"/>
+          <a:ext cx="0" cy="0"/>
+          <a:chOff x="0" y="0"/>
+          <a:chExt cx="0" cy="0"/>
+        </a:xfrm>
+      </p:grpSpPr>
+      <p:sp>
+        <p:nvSpPr>
+          <p:cNvPr id="190" name="矩形 189"/>
+          <p:cNvSpPr/>
+          <p:nvPr/>
+        </p:nvSpPr>
+        <p:spPr>
+          <a:xfrm>
+            <a:off x="5887861" y="239060"/>
+            <a:ext cx="4148488" cy="2126087"/>
+          </a:xfrm>
+          <a:prstGeom prst="rect">
+            <a:avLst/>
+          </a:prstGeom>
+          <a:solidFill>
+            <a:schemeClr val="accent2">
+              <a:lumMod val="20000"/>
+              <a:lumOff val="80000"/>
+            </a:schemeClr>
+          </a:solidFill>
+          <a:ln w="25400">
+            <a:solidFill>
+              <a:schemeClr val="accent2">
+                <a:lumMod val="60000"/>
+                <a:lumOff val="40000"/>
+              </a:schemeClr>
+            </a:solidFill>
+          </a:ln>
+        </p:spPr>
+        <p:style>
+          <a:lnRef idx="2">
+            <a:schemeClr val="accent1">
+              <a:shade val="50000"/>
+            </a:schemeClr>
+          </a:lnRef>
+          <a:fillRef idx="1">
+            <a:schemeClr val="accent1"/>
+          </a:fillRef>
+          <a:effectRef idx="0">
+            <a:schemeClr val="accent1"/>
+          </a:effectRef>
+          <a:fontRef idx="minor">
+            <a:schemeClr val="lt1"/>
+          </a:fontRef>
+        </p:style>
+        <p:txBody>
+          <a:bodyPr rtlCol="0" anchor="ctr"/>
+          <a:lstStyle/>
+          <a:p>
+            <a:pPr algn="ctr"/>
+            <a:endParaRPr lang="zh-CN" altLang="en-US"/>
+          </a:p>
+        </p:txBody>
+      </p:sp>
+      <p:sp>
+        <p:nvSpPr>
+          <p:cNvPr id="189" name="矩形 188"/>
+          <p:cNvSpPr/>
+          <p:nvPr/>
+        </p:nvSpPr>
+        <p:spPr>
+          <a:xfrm>
+            <a:off x="5890661" y="2370442"/>
+            <a:ext cx="4148488" cy="4258368"/>
+          </a:xfrm>
+          <a:prstGeom prst="rect">
+            <a:avLst/>
+          </a:prstGeom>
+          <a:solidFill>
+            <a:schemeClr val="accent2">
+              <a:lumMod val="20000"/>
+              <a:lumOff val="80000"/>
+            </a:schemeClr>
+          </a:solidFill>
+          <a:ln w="25400">
+            <a:solidFill>
+              <a:schemeClr val="accent2">
+                <a:lumMod val="60000"/>
+                <a:lumOff val="40000"/>
+              </a:schemeClr>
+            </a:solidFill>
+          </a:ln>
+        </p:spPr>
+        <p:style>
+          <a:lnRef idx="2">
+            <a:schemeClr val="accent1">
+              <a:shade val="50000"/>
+            </a:schemeClr>
+          </a:lnRef>
+          <a:fillRef idx="1">
+            <a:schemeClr val="accent1"/>
+          </a:fillRef>
+          <a:effectRef idx="0">
+            <a:schemeClr val="accent1"/>
+          </a:effectRef>
+          <a:fontRef idx="minor">
+            <a:schemeClr val="lt1"/>
+          </a:fontRef>
+        </p:style>
+        <p:txBody>
+          <a:bodyPr rtlCol="0" anchor="ctr"/>
+          <a:lstStyle/>
+          <a:p>
+            <a:pPr algn="ctr"/>
+            <a:endParaRPr lang="zh-CN" altLang="en-US"/>
+          </a:p>
+        </p:txBody>
+      </p:sp>
+      <p:sp>
+        <p:nvSpPr>
+          <p:cNvPr id="4" name="Text Box 3"/>
+          <p:cNvSpPr txBox="1"/>
+          <p:nvPr/>
+        </p:nvSpPr>
+        <p:spPr>
+          <a:xfrm>
+            <a:off x="755650" y="262255"/>
+            <a:ext cx="1882775" cy="369332"/>
+          </a:xfrm>
+          <a:prstGeom prst="rect">
+            <a:avLst/>
+          </a:prstGeom>
+          <a:noFill/>
+        </p:spPr>
+        <p:txBody>
+          <a:bodyPr wrap="square" rtlCol="0">
+            <a:spAutoFit/>
+          </a:bodyPr>
+          <a:lstStyle/>
+          <a:p>
+            <a:r>
+              <a:rPr lang="en-US" altLang="zh-CN" dirty="0" smtClean="0"/>
+              <a:t>Chatglm2</a:t>
+            </a:r>
+          </a:p>
+        </p:txBody>
+      </p:sp>
+      <p:grpSp>
+        <p:nvGrpSpPr>
+          <p:cNvPr id="191" name="组合 190"/>
+          <p:cNvGrpSpPr/>
+          <p:nvPr/>
+        </p:nvGrpSpPr>
+        <p:grpSpPr>
+          <a:xfrm>
+            <a:off x="2721704" y="4184003"/>
+            <a:ext cx="1490345" cy="697865"/>
+            <a:chOff x="2721704" y="4184003"/>
+            <a:chExt cx="1490345" cy="697865"/>
+          </a:xfrm>
+        </p:grpSpPr>
+        <p:sp>
+          <p:nvSpPr>
+            <p:cNvPr id="2" name="Rounded Rectangle 1"/>
+            <p:cNvSpPr/>
+            <p:nvPr/>
+          </p:nvSpPr>
+          <p:spPr>
+            <a:xfrm>
+              <a:off x="2721704" y="4184003"/>
+              <a:ext cx="1490345" cy="697865"/>
+            </a:xfrm>
+            <a:prstGeom prst="roundRect">
+              <a:avLst/>
+            </a:prstGeom>
+            <a:noFill/>
+            <a:ln>
+              <a:solidFill>
+                <a:schemeClr val="tx1"/>
+              </a:solidFill>
+            </a:ln>
+          </p:spPr>
+          <p:style>
+            <a:lnRef idx="2">
+              <a:schemeClr val="accent1">
+                <a:shade val="50000"/>
+              </a:schemeClr>
+            </a:lnRef>
+            <a:fillRef idx="1">
+              <a:schemeClr val="accent1"/>
+            </a:fillRef>
+            <a:effectRef idx="0">
+              <a:schemeClr val="accent1"/>
+            </a:effectRef>
+            <a:fontRef idx="minor">
+              <a:schemeClr val="lt1"/>
+            </a:fontRef>
+          </p:style>
+          <p:txBody>
+            <a:bodyPr rtlCol="0" anchor="ctr"/>
+            <a:lstStyle/>
+            <a:p>
+              <a:pPr algn="ctr"/>
+              <a:endParaRPr lang="en-US"/>
+            </a:p>
+          </p:txBody>
+        </p:sp>
+        <p:sp>
+          <p:nvSpPr>
+            <p:cNvPr id="3" name="Text Box 2"/>
+            <p:cNvSpPr txBox="1"/>
+            <p:nvPr/>
+          </p:nvSpPr>
+          <p:spPr>
+            <a:xfrm>
+              <a:off x="2961734" y="4302748"/>
+              <a:ext cx="1010920" cy="460375"/>
+            </a:xfrm>
+            <a:prstGeom prst="rect">
+              <a:avLst/>
+            </a:prstGeom>
+            <a:noFill/>
+            <a:ln>
+              <a:noFill/>
+            </a:ln>
+          </p:spPr>
+          <p:txBody>
+            <a:bodyPr wrap="square" rtlCol="0">
+              <a:spAutoFit/>
+            </a:bodyPr>
+            <a:lstStyle/>
+            <a:p>
+              <a:pPr algn="ctr"/>
+              <a:r>
+                <a:rPr lang="en-US" sz="1200" dirty="0"/>
+                <a:t>Input </a:t>
+              </a:r>
+            </a:p>
+            <a:p>
+              <a:pPr algn="ctr"/>
+              <a:r>
+                <a:rPr lang="en-US" sz="1200" dirty="0" err="1"/>
+                <a:t>Embeding</a:t>
+              </a:r>
+              <a:endParaRPr lang="en-US" sz="1200" dirty="0"/>
+            </a:p>
+          </p:txBody>
+        </p:sp>
+      </p:grpSp>
+      <p:grpSp>
+        <p:nvGrpSpPr>
+          <p:cNvPr id="12" name="Group 11"/>
+          <p:cNvGrpSpPr/>
+          <p:nvPr/>
+        </p:nvGrpSpPr>
+        <p:grpSpPr>
+          <a:xfrm>
+            <a:off x="2721704" y="3290558"/>
+            <a:ext cx="1490345" cy="697865"/>
+            <a:chOff x="4577" y="6172"/>
+            <a:chExt cx="2347" cy="1099"/>
+          </a:xfrm>
+        </p:grpSpPr>
+        <p:sp>
+          <p:nvSpPr>
+            <p:cNvPr id="6" name="Rounded Rectangle 5"/>
+            <p:cNvSpPr/>
+            <p:nvPr/>
+          </p:nvSpPr>
+          <p:spPr>
+            <a:xfrm>
+              <a:off x="4577" y="6172"/>
+              <a:ext cx="2347" cy="1099"/>
+            </a:xfrm>
+            <a:prstGeom prst="roundRect">
+              <a:avLst/>
+            </a:prstGeom>
+            <a:noFill/>
+            <a:ln>
+              <a:solidFill>
+                <a:schemeClr val="tx1"/>
+              </a:solidFill>
+            </a:ln>
+          </p:spPr>
+          <p:style>
+            <a:lnRef idx="2">
+              <a:schemeClr val="accent1">
+                <a:shade val="50000"/>
+              </a:schemeClr>
+            </a:lnRef>
+            <a:fillRef idx="1">
+              <a:schemeClr val="accent1"/>
+            </a:fillRef>
+            <a:effectRef idx="0">
+              <a:schemeClr val="accent1"/>
+            </a:effectRef>
+            <a:fontRef idx="minor">
+              <a:schemeClr val="lt1"/>
+            </a:fontRef>
+          </p:style>
+          <p:txBody>
+            <a:bodyPr rtlCol="0" anchor="ctr"/>
+            <a:lstStyle/>
+            <a:p>
+              <a:pPr algn="ctr"/>
+              <a:endParaRPr lang="en-US"/>
+            </a:p>
+          </p:txBody>
+        </p:sp>
+        <p:sp>
+          <p:nvSpPr>
+            <p:cNvPr id="7" name="Text Box 6"/>
+            <p:cNvSpPr txBox="1"/>
+            <p:nvPr/>
+          </p:nvSpPr>
+          <p:spPr>
+            <a:xfrm>
+              <a:off x="4705" y="6359"/>
+              <a:ext cx="2093" cy="725"/>
+            </a:xfrm>
+            <a:prstGeom prst="rect">
+              <a:avLst/>
+            </a:prstGeom>
+            <a:noFill/>
+            <a:ln>
+              <a:noFill/>
+            </a:ln>
+          </p:spPr>
+          <p:txBody>
+            <a:bodyPr wrap="square" rtlCol="0">
+              <a:spAutoFit/>
+            </a:bodyPr>
+            <a:lstStyle/>
+            <a:p>
+              <a:pPr algn="ctr"/>
+              <a:r>
+                <a:rPr lang="en-US" sz="1200"/>
+                <a:t>Decoder</a:t>
+              </a:r>
+            </a:p>
+            <a:p>
+              <a:pPr algn="ctr"/>
+              <a:r>
+                <a:rPr lang="en-US" sz="1200"/>
+                <a:t>Block</a:t>
+              </a:r>
+            </a:p>
+          </p:txBody>
+        </p:sp>
+      </p:grpSp>
+      <p:sp>
+        <p:nvSpPr>
+          <p:cNvPr id="17" name="Text Box 16"/>
+          <p:cNvSpPr txBox="1"/>
+          <p:nvPr/>
+        </p:nvSpPr>
+        <p:spPr>
+          <a:xfrm>
+            <a:off x="1988914" y="3455658"/>
+            <a:ext cx="682625" cy="368300"/>
+          </a:xfrm>
+          <a:prstGeom prst="rect">
+            <a:avLst/>
+          </a:prstGeom>
+          <a:noFill/>
+        </p:spPr>
+        <p:txBody>
+          <a:bodyPr wrap="square" rtlCol="0">
+            <a:spAutoFit/>
+          </a:bodyPr>
+          <a:lstStyle/>
+          <a:p>
+            <a:r>
+              <a:rPr lang="en-US"/>
+              <a:t>32 x</a:t>
+            </a:r>
+          </a:p>
+        </p:txBody>
+      </p:sp>
+      <p:grpSp>
+        <p:nvGrpSpPr>
+          <p:cNvPr id="141" name="组合 140"/>
+          <p:cNvGrpSpPr/>
+          <p:nvPr/>
+        </p:nvGrpSpPr>
+        <p:grpSpPr>
+          <a:xfrm>
+            <a:off x="6546078" y="4038063"/>
+            <a:ext cx="647297" cy="400685"/>
+            <a:chOff x="4666942" y="3656965"/>
+            <a:chExt cx="1035596" cy="400685"/>
+          </a:xfrm>
+        </p:grpSpPr>
+        <p:sp>
+          <p:nvSpPr>
+            <p:cNvPr id="23" name="Rounded Rectangle 22"/>
+            <p:cNvSpPr/>
+            <p:nvPr/>
+          </p:nvSpPr>
+          <p:spPr>
+            <a:xfrm>
+              <a:off x="4666942" y="3656965"/>
+              <a:ext cx="1035596" cy="400685"/>
+            </a:xfrm>
+            <a:prstGeom prst="roundRect">
+              <a:avLst/>
+            </a:prstGeom>
+            <a:noFill/>
+            <a:ln>
+              <a:solidFill>
+                <a:schemeClr val="tx1"/>
+              </a:solidFill>
+            </a:ln>
+          </p:spPr>
+          <p:style>
+            <a:lnRef idx="2">
+              <a:schemeClr val="accent1">
+                <a:shade val="50000"/>
+              </a:schemeClr>
+            </a:lnRef>
+            <a:fillRef idx="1">
+              <a:schemeClr val="accent1"/>
+            </a:fillRef>
+            <a:effectRef idx="0">
+              <a:schemeClr val="accent1"/>
+            </a:effectRef>
+            <a:fontRef idx="minor">
+              <a:schemeClr val="lt1"/>
+            </a:fontRef>
+          </p:style>
+          <p:txBody>
+            <a:bodyPr rtlCol="0" anchor="ctr"/>
+            <a:lstStyle/>
+            <a:p>
+              <a:pPr algn="ctr"/>
+              <a:endParaRPr lang="en-US"/>
+            </a:p>
+          </p:txBody>
+        </p:sp>
+        <p:sp>
+          <p:nvSpPr>
+            <p:cNvPr id="24" name="Text Box 23"/>
+            <p:cNvSpPr txBox="1"/>
+            <p:nvPr/>
+          </p:nvSpPr>
+          <p:spPr>
+            <a:xfrm>
+              <a:off x="4666942" y="3707130"/>
+              <a:ext cx="1001013" cy="275590"/>
+            </a:xfrm>
+            <a:prstGeom prst="rect">
+              <a:avLst/>
+            </a:prstGeom>
+            <a:noFill/>
+            <a:ln>
+              <a:noFill/>
+            </a:ln>
+          </p:spPr>
+          <p:txBody>
+            <a:bodyPr wrap="square" rtlCol="0">
+              <a:spAutoFit/>
+            </a:bodyPr>
+            <a:lstStyle/>
+            <a:p>
+              <a:pPr algn="ctr"/>
+              <a:r>
+                <a:rPr lang="en-US" sz="1200" dirty="0" smtClean="0"/>
+                <a:t> </a:t>
+              </a:r>
+              <a:r>
+                <a:rPr lang="en-US" sz="1200" dirty="0"/>
+                <a:t>mask</a:t>
+              </a:r>
+            </a:p>
+          </p:txBody>
+        </p:sp>
+      </p:grpSp>
+      <p:grpSp>
+        <p:nvGrpSpPr>
+          <p:cNvPr id="165" name="组合 164"/>
+          <p:cNvGrpSpPr/>
+          <p:nvPr/>
+        </p:nvGrpSpPr>
+        <p:grpSpPr>
+          <a:xfrm>
+            <a:off x="7410727" y="6092877"/>
+            <a:ext cx="1105310" cy="290983"/>
+            <a:chOff x="5870685" y="6304632"/>
+            <a:chExt cx="1105310" cy="290983"/>
+          </a:xfrm>
+        </p:grpSpPr>
+        <p:sp>
+          <p:nvSpPr>
+            <p:cNvPr id="29" name="Rounded Rectangle 28"/>
+            <p:cNvSpPr/>
+            <p:nvPr/>
+          </p:nvSpPr>
+          <p:spPr>
+            <a:xfrm>
+              <a:off x="5870685" y="6307615"/>
+              <a:ext cx="1080000" cy="288000"/>
+            </a:xfrm>
+            <a:prstGeom prst="roundRect">
+              <a:avLst/>
+            </a:prstGeom>
+            <a:noFill/>
+            <a:ln>
+              <a:solidFill>
+                <a:schemeClr val="tx1"/>
+              </a:solidFill>
+            </a:ln>
+          </p:spPr>
+          <p:style>
+            <a:lnRef idx="2">
+              <a:schemeClr val="accent1">
+                <a:shade val="50000"/>
+              </a:schemeClr>
+            </a:lnRef>
+            <a:fillRef idx="1">
+              <a:schemeClr val="accent1"/>
+            </a:fillRef>
+            <a:effectRef idx="0">
+              <a:schemeClr val="accent1"/>
+            </a:effectRef>
+            <a:fontRef idx="minor">
+              <a:schemeClr val="lt1"/>
+            </a:fontRef>
+          </p:style>
+          <p:txBody>
+            <a:bodyPr rtlCol="0" anchor="ctr"/>
+            <a:lstStyle/>
+            <a:p>
+              <a:pPr algn="ctr"/>
+              <a:endParaRPr lang="en-US"/>
+            </a:p>
+          </p:txBody>
+        </p:sp>
+        <p:sp>
+          <p:nvSpPr>
+            <p:cNvPr id="30" name="Text Box 29"/>
+            <p:cNvSpPr txBox="1"/>
+            <p:nvPr/>
+          </p:nvSpPr>
+          <p:spPr>
+            <a:xfrm>
+              <a:off x="5965075" y="6304632"/>
+              <a:ext cx="1010920" cy="275590"/>
+            </a:xfrm>
+            <a:prstGeom prst="rect">
+              <a:avLst/>
+            </a:prstGeom>
+            <a:noFill/>
+            <a:ln>
+              <a:noFill/>
+            </a:ln>
+          </p:spPr>
+          <p:txBody>
+            <a:bodyPr wrap="square" rtlCol="0">
+              <a:spAutoFit/>
+            </a:bodyPr>
+            <a:lstStyle/>
+            <a:p>
+              <a:pPr algn="ctr"/>
+              <a:r>
+                <a:rPr lang="en-US" sz="1200" dirty="0" err="1"/>
+                <a:t>RMSNorm</a:t>
+              </a:r>
+              <a:endParaRPr lang="en-US" sz="1200" dirty="0"/>
+            </a:p>
+          </p:txBody>
+        </p:sp>
+      </p:grpSp>
+      <p:grpSp>
+        <p:nvGrpSpPr>
+          <p:cNvPr id="160" name="组合 159"/>
+          <p:cNvGrpSpPr/>
+          <p:nvPr/>
+        </p:nvGrpSpPr>
+        <p:grpSpPr>
+          <a:xfrm>
+            <a:off x="7410727" y="5679902"/>
+            <a:ext cx="1080000" cy="288000"/>
+            <a:chOff x="5870685" y="5768357"/>
+            <a:chExt cx="1490345" cy="400685"/>
+          </a:xfrm>
+        </p:grpSpPr>
+        <p:sp>
+          <p:nvSpPr>
+            <p:cNvPr id="32" name="Rounded Rectangle 31"/>
+            <p:cNvSpPr/>
+            <p:nvPr/>
+          </p:nvSpPr>
+          <p:spPr>
+            <a:xfrm>
+              <a:off x="5870685" y="5768357"/>
+              <a:ext cx="1490345" cy="400685"/>
+            </a:xfrm>
+            <a:prstGeom prst="roundRect">
+              <a:avLst/>
+            </a:prstGeom>
+            <a:noFill/>
+            <a:ln>
+              <a:solidFill>
+                <a:schemeClr val="tx1"/>
+              </a:solidFill>
+            </a:ln>
+          </p:spPr>
+          <p:style>
+            <a:lnRef idx="2">
+              <a:schemeClr val="accent1">
+                <a:shade val="50000"/>
+              </a:schemeClr>
+            </a:lnRef>
+            <a:fillRef idx="1">
+              <a:schemeClr val="accent1"/>
+            </a:fillRef>
+            <a:effectRef idx="0">
+              <a:schemeClr val="accent1"/>
+            </a:effectRef>
+            <a:fontRef idx="minor">
+              <a:schemeClr val="lt1"/>
+            </a:fontRef>
+          </p:style>
+          <p:txBody>
+            <a:bodyPr rtlCol="0" anchor="ctr"/>
+            <a:lstStyle/>
+            <a:p>
+              <a:pPr algn="ctr"/>
+              <a:endParaRPr lang="en-US"/>
+            </a:p>
+          </p:txBody>
+        </p:sp>
+        <p:sp>
+          <p:nvSpPr>
+            <p:cNvPr id="33" name="Text Box 32"/>
+            <p:cNvSpPr txBox="1"/>
+            <p:nvPr/>
+          </p:nvSpPr>
+          <p:spPr>
+            <a:xfrm>
+              <a:off x="6153895" y="5778349"/>
+              <a:ext cx="1010920" cy="275591"/>
+            </a:xfrm>
+            <a:prstGeom prst="rect">
+              <a:avLst/>
+            </a:prstGeom>
+            <a:noFill/>
+            <a:ln>
+              <a:noFill/>
+            </a:ln>
+          </p:spPr>
+          <p:txBody>
+            <a:bodyPr wrap="square" rtlCol="0">
+              <a:spAutoFit/>
+            </a:bodyPr>
+            <a:lstStyle/>
+            <a:p>
+              <a:pPr algn="ctr"/>
+              <a:r>
+                <a:rPr lang="en-US" sz="1200" dirty="0"/>
+                <a:t>Linear</a:t>
+              </a:r>
+            </a:p>
+          </p:txBody>
+        </p:sp>
+      </p:grpSp>
+      <p:grpSp>
+        <p:nvGrpSpPr>
+          <p:cNvPr id="34" name="Group 33"/>
+          <p:cNvGrpSpPr/>
+          <p:nvPr/>
+        </p:nvGrpSpPr>
+        <p:grpSpPr>
+          <a:xfrm>
+            <a:off x="7373351" y="5190459"/>
+            <a:ext cx="288000" cy="288000"/>
+            <a:chOff x="9191" y="7978"/>
+            <a:chExt cx="2347" cy="631"/>
+          </a:xfrm>
+        </p:grpSpPr>
+        <p:sp>
+          <p:nvSpPr>
+            <p:cNvPr id="35" name="Rounded Rectangle 34"/>
+            <p:cNvSpPr/>
+            <p:nvPr/>
+          </p:nvSpPr>
+          <p:spPr>
+            <a:xfrm>
+              <a:off x="9191" y="7978"/>
+              <a:ext cx="2347" cy="631"/>
+            </a:xfrm>
+            <a:prstGeom prst="roundRect">
+              <a:avLst/>
+            </a:prstGeom>
+            <a:noFill/>
+            <a:ln>
+              <a:solidFill>
+                <a:schemeClr val="tx1"/>
+              </a:solidFill>
+            </a:ln>
+          </p:spPr>
+          <p:style>
+            <a:lnRef idx="2">
+              <a:schemeClr val="accent1">
+                <a:shade val="50000"/>
+              </a:schemeClr>
+            </a:lnRef>
+            <a:fillRef idx="1">
+              <a:schemeClr val="accent1"/>
+            </a:fillRef>
+            <a:effectRef idx="0">
+              <a:schemeClr val="accent1"/>
+            </a:effectRef>
+            <a:fontRef idx="minor">
+              <a:schemeClr val="lt1"/>
+            </a:fontRef>
+          </p:style>
+          <p:txBody>
+            <a:bodyPr rtlCol="0" anchor="ctr"/>
+            <a:lstStyle/>
+            <a:p>
+              <a:pPr algn="ctr"/>
+              <a:endParaRPr lang="en-US"/>
+            </a:p>
+          </p:txBody>
+        </p:sp>
+        <p:sp>
+          <p:nvSpPr>
+            <p:cNvPr id="36" name="Text Box 35"/>
+            <p:cNvSpPr txBox="1"/>
+            <p:nvPr/>
+          </p:nvSpPr>
+          <p:spPr>
+            <a:xfrm>
+              <a:off x="9637" y="8015"/>
+              <a:ext cx="1592" cy="434"/>
+            </a:xfrm>
+            <a:prstGeom prst="rect">
+              <a:avLst/>
+            </a:prstGeom>
+            <a:noFill/>
+            <a:ln>
+              <a:noFill/>
+            </a:ln>
+          </p:spPr>
+          <p:txBody>
+            <a:bodyPr wrap="square" rtlCol="0">
+              <a:spAutoFit/>
+            </a:bodyPr>
+            <a:lstStyle/>
+            <a:p>
+              <a:pPr algn="ctr"/>
+              <a:r>
+                <a:rPr lang="en-US" sz="1200" dirty="0"/>
+                <a:t>Q</a:t>
+              </a:r>
+            </a:p>
+          </p:txBody>
+        </p:sp>
+      </p:grpSp>
+      <p:grpSp>
+        <p:nvGrpSpPr>
+          <p:cNvPr id="37" name="Group 36"/>
+          <p:cNvGrpSpPr/>
+          <p:nvPr/>
+        </p:nvGrpSpPr>
+        <p:grpSpPr>
+          <a:xfrm>
+            <a:off x="7807161" y="5190459"/>
+            <a:ext cx="288000" cy="288000"/>
+            <a:chOff x="9191" y="7978"/>
+            <a:chExt cx="2347" cy="631"/>
+          </a:xfrm>
+        </p:grpSpPr>
+        <p:sp>
+          <p:nvSpPr>
+            <p:cNvPr id="38" name="Rounded Rectangle 37"/>
+            <p:cNvSpPr/>
+            <p:nvPr/>
+          </p:nvSpPr>
+          <p:spPr>
+            <a:xfrm>
+              <a:off x="9191" y="7978"/>
+              <a:ext cx="2347" cy="631"/>
+            </a:xfrm>
+            <a:prstGeom prst="roundRect">
+              <a:avLst/>
+            </a:prstGeom>
+            <a:noFill/>
+            <a:ln>
+              <a:solidFill>
+                <a:schemeClr val="tx1"/>
+              </a:solidFill>
+            </a:ln>
+          </p:spPr>
+          <p:style>
+            <a:lnRef idx="2">
+              <a:schemeClr val="accent1">
+                <a:shade val="50000"/>
+              </a:schemeClr>
+            </a:lnRef>
+            <a:fillRef idx="1">
+              <a:schemeClr val="accent1"/>
+            </a:fillRef>
+            <a:effectRef idx="0">
+              <a:schemeClr val="accent1"/>
+            </a:effectRef>
+            <a:fontRef idx="minor">
+              <a:schemeClr val="lt1"/>
+            </a:fontRef>
+          </p:style>
+          <p:txBody>
+            <a:bodyPr rtlCol="0" anchor="ctr"/>
+            <a:lstStyle/>
+            <a:p>
+              <a:pPr algn="ctr"/>
+              <a:endParaRPr lang="en-US"/>
+            </a:p>
+          </p:txBody>
+        </p:sp>
+        <p:sp>
+          <p:nvSpPr>
+            <p:cNvPr id="39" name="Text Box 38"/>
+            <p:cNvSpPr txBox="1"/>
+            <p:nvPr/>
+          </p:nvSpPr>
+          <p:spPr>
+            <a:xfrm>
+              <a:off x="9637" y="8015"/>
+              <a:ext cx="1592" cy="434"/>
+            </a:xfrm>
+            <a:prstGeom prst="rect">
+              <a:avLst/>
+            </a:prstGeom>
+            <a:noFill/>
+            <a:ln>
+              <a:noFill/>
+            </a:ln>
+          </p:spPr>
+          <p:txBody>
+            <a:bodyPr wrap="square" rtlCol="0">
+              <a:spAutoFit/>
+            </a:bodyPr>
+            <a:lstStyle/>
+            <a:p>
+              <a:pPr algn="ctr"/>
+              <a:r>
+                <a:rPr lang="en-US" sz="1200" dirty="0"/>
+                <a:t>K</a:t>
+              </a:r>
+            </a:p>
+          </p:txBody>
+        </p:sp>
+      </p:grpSp>
+      <p:grpSp>
+        <p:nvGrpSpPr>
+          <p:cNvPr id="40" name="Group 39"/>
+          <p:cNvGrpSpPr/>
+          <p:nvPr/>
+        </p:nvGrpSpPr>
+        <p:grpSpPr>
+          <a:xfrm>
+            <a:off x="8260216" y="5191729"/>
+            <a:ext cx="288000" cy="288000"/>
+            <a:chOff x="9191" y="7978"/>
+            <a:chExt cx="2347" cy="631"/>
+          </a:xfrm>
+        </p:grpSpPr>
+        <p:sp>
+          <p:nvSpPr>
+            <p:cNvPr id="41" name="Rounded Rectangle 40"/>
+            <p:cNvSpPr/>
+            <p:nvPr/>
+          </p:nvSpPr>
+          <p:spPr>
+            <a:xfrm>
+              <a:off x="9191" y="7978"/>
+              <a:ext cx="2347" cy="631"/>
+            </a:xfrm>
+            <a:prstGeom prst="roundRect">
+              <a:avLst/>
+            </a:prstGeom>
+            <a:noFill/>
+            <a:ln>
+              <a:solidFill>
+                <a:schemeClr val="tx1"/>
+              </a:solidFill>
+            </a:ln>
+          </p:spPr>
+          <p:style>
+            <a:lnRef idx="2">
+              <a:schemeClr val="accent1">
+                <a:shade val="50000"/>
+              </a:schemeClr>
+            </a:lnRef>
+            <a:fillRef idx="1">
+              <a:schemeClr val="accent1"/>
+            </a:fillRef>
+            <a:effectRef idx="0">
+              <a:schemeClr val="accent1"/>
+            </a:effectRef>
+            <a:fontRef idx="minor">
+              <a:schemeClr val="lt1"/>
+            </a:fontRef>
+          </p:style>
+          <p:txBody>
+            <a:bodyPr rtlCol="0" anchor="ctr"/>
+            <a:lstStyle/>
+            <a:p>
+              <a:pPr algn="ctr"/>
+              <a:endParaRPr lang="en-US"/>
+            </a:p>
+          </p:txBody>
+        </p:sp>
+        <p:sp>
+          <p:nvSpPr>
+            <p:cNvPr id="42" name="Text Box 41"/>
+            <p:cNvSpPr txBox="1"/>
+            <p:nvPr/>
+          </p:nvSpPr>
+          <p:spPr>
+            <a:xfrm>
+              <a:off x="9637" y="7994"/>
+              <a:ext cx="1592" cy="434"/>
+            </a:xfrm>
+            <a:prstGeom prst="rect">
+              <a:avLst/>
+            </a:prstGeom>
+            <a:noFill/>
+            <a:ln>
+              <a:noFill/>
+            </a:ln>
+          </p:spPr>
+          <p:txBody>
+            <a:bodyPr wrap="square" rtlCol="0">
+              <a:spAutoFit/>
+            </a:bodyPr>
+            <a:lstStyle/>
+            <a:p>
+              <a:pPr algn="ctr"/>
+              <a:r>
+                <a:rPr lang="en-US" sz="1200" dirty="0"/>
+                <a:t>V</a:t>
+              </a:r>
+            </a:p>
+          </p:txBody>
+        </p:sp>
+      </p:grpSp>
+      <p:sp>
+        <p:nvSpPr>
+          <p:cNvPr id="44" name="Rounded Rectangle 43"/>
+          <p:cNvSpPr/>
+          <p:nvPr/>
+        </p:nvSpPr>
+        <p:spPr>
+          <a:xfrm>
+            <a:off x="6144536" y="5098674"/>
+            <a:ext cx="898968" cy="288000"/>
+          </a:xfrm>
+          <a:prstGeom prst="roundRect">
+            <a:avLst/>
+          </a:prstGeom>
+          <a:noFill/>
+          <a:ln>
+            <a:solidFill>
+              <a:schemeClr val="tx1"/>
+            </a:solidFill>
+          </a:ln>
+        </p:spPr>
+        <p:style>
+          <a:lnRef idx="2">
+            <a:schemeClr val="accent1">
+              <a:shade val="50000"/>
+            </a:schemeClr>
+          </a:lnRef>
+          <a:fillRef idx="1">
+            <a:schemeClr val="accent1"/>
+          </a:fillRef>
+          <a:effectRef idx="0">
+            <a:schemeClr val="accent1"/>
+          </a:effectRef>
+          <a:fontRef idx="minor">
+            <a:schemeClr val="lt1"/>
+          </a:fontRef>
+        </p:style>
+        <p:txBody>
+          <a:bodyPr rtlCol="0" anchor="ctr"/>
+          <a:lstStyle/>
+          <a:p>
+            <a:pPr algn="ctr"/>
+            <a:endParaRPr lang="en-US"/>
+          </a:p>
+        </p:txBody>
+      </p:sp>
+      <p:sp>
+        <p:nvSpPr>
+          <p:cNvPr id="45" name="Text Box 44"/>
+          <p:cNvSpPr txBox="1"/>
+          <p:nvPr/>
+        </p:nvSpPr>
+        <p:spPr>
+          <a:xfrm>
+            <a:off x="6146205" y="5091089"/>
+            <a:ext cx="932958" cy="275590"/>
+          </a:xfrm>
+          <a:prstGeom prst="rect">
+            <a:avLst/>
+          </a:prstGeom>
+          <a:noFill/>
+          <a:ln>
+            <a:noFill/>
+          </a:ln>
+        </p:spPr>
+        <p:txBody>
+          <a:bodyPr wrap="square" rtlCol="0">
+            <a:spAutoFit/>
+          </a:bodyPr>
+          <a:lstStyle/>
+          <a:p>
+            <a:pPr algn="ctr"/>
+            <a:r>
+              <a:rPr lang="en-US" sz="1200" dirty="0" err="1"/>
+              <a:t>KV_cache</a:t>
+            </a:r>
+            <a:endParaRPr lang="en-US" sz="1200" dirty="0"/>
+          </a:p>
+        </p:txBody>
+      </p:sp>
+      <p:sp>
+        <p:nvSpPr>
+          <p:cNvPr id="48" name="Flowchart: Summing Junction 47"/>
+          <p:cNvSpPr/>
+          <p:nvPr/>
+        </p:nvSpPr>
+        <p:spPr>
+          <a:xfrm>
+            <a:off x="7618441" y="4483306"/>
+            <a:ext cx="216000" cy="216000"/>
+          </a:xfrm>
+          <a:prstGeom prst="flowChartSummingJunction">
+            <a:avLst/>
+          </a:prstGeom>
+          <a:noFill/>
+          <a:ln>
+            <a:solidFill>
+              <a:schemeClr val="tx1"/>
+            </a:solidFill>
+          </a:ln>
+        </p:spPr>
+        <p:style>
+          <a:lnRef idx="2">
+            <a:schemeClr val="accent1">
+              <a:shade val="50000"/>
+            </a:schemeClr>
+          </a:lnRef>
+          <a:fillRef idx="1">
+            <a:schemeClr val="accent1"/>
+          </a:fillRef>
+          <a:effectRef idx="0">
+            <a:schemeClr val="accent1"/>
+          </a:effectRef>
+          <a:fontRef idx="minor">
+            <a:schemeClr val="lt1"/>
+          </a:fontRef>
+        </p:style>
+        <p:txBody>
+          <a:bodyPr rtlCol="0" anchor="ctr"/>
+          <a:lstStyle/>
+          <a:p>
+            <a:pPr algn="ctr"/>
+            <a:endParaRPr lang="en-US"/>
+          </a:p>
+        </p:txBody>
+      </p:sp>
+      <p:sp>
+        <p:nvSpPr>
+          <p:cNvPr id="52" name="Flowchart: Or 51"/>
+          <p:cNvSpPr/>
+          <p:nvPr/>
+        </p:nvSpPr>
+        <p:spPr>
+          <a:xfrm>
+            <a:off x="7613652" y="4120781"/>
+            <a:ext cx="216000" cy="216000"/>
+          </a:xfrm>
+          <a:prstGeom prst="flowChartOr">
+            <a:avLst/>
+          </a:prstGeom>
+          <a:noFill/>
+          <a:ln>
+            <a:solidFill>
+              <a:schemeClr val="tx1"/>
+            </a:solidFill>
+          </a:ln>
+        </p:spPr>
+        <p:style>
+          <a:lnRef idx="2">
+            <a:schemeClr val="accent1">
+              <a:shade val="50000"/>
+            </a:schemeClr>
+          </a:lnRef>
+          <a:fillRef idx="1">
+            <a:schemeClr val="accent1"/>
+          </a:fillRef>
+          <a:effectRef idx="0">
+            <a:schemeClr val="accent1"/>
+          </a:effectRef>
+          <a:fontRef idx="minor">
+            <a:schemeClr val="lt1"/>
+          </a:fontRef>
+        </p:style>
+        <p:txBody>
+          <a:bodyPr rtlCol="0" anchor="ctr"/>
+          <a:lstStyle/>
+          <a:p>
+            <a:pPr algn="ctr"/>
+            <a:endParaRPr lang="en-US"/>
+          </a:p>
+        </p:txBody>
+      </p:sp>
+      <p:grpSp>
+        <p:nvGrpSpPr>
+          <p:cNvPr id="167" name="组合 166"/>
+          <p:cNvGrpSpPr/>
+          <p:nvPr/>
+        </p:nvGrpSpPr>
+        <p:grpSpPr>
+          <a:xfrm>
+            <a:off x="7238601" y="3694013"/>
+            <a:ext cx="994435" cy="293265"/>
+            <a:chOff x="5814060" y="3811321"/>
+            <a:chExt cx="994435" cy="293265"/>
+          </a:xfrm>
+        </p:grpSpPr>
+        <p:sp>
+          <p:nvSpPr>
+            <p:cNvPr id="56" name="Rounded Rectangle 55"/>
+            <p:cNvSpPr/>
+            <p:nvPr/>
+          </p:nvSpPr>
+          <p:spPr>
+            <a:xfrm>
+              <a:off x="5981727" y="3811321"/>
+              <a:ext cx="633549" cy="288000"/>
+            </a:xfrm>
+            <a:prstGeom prst="roundRect">
+              <a:avLst/>
+            </a:prstGeom>
+            <a:noFill/>
+            <a:ln>
+              <a:solidFill>
+                <a:schemeClr val="tx1"/>
+              </a:solidFill>
+            </a:ln>
+          </p:spPr>
+          <p:style>
+            <a:lnRef idx="2">
+              <a:schemeClr val="accent1">
+                <a:shade val="50000"/>
+              </a:schemeClr>
+            </a:lnRef>
+            <a:fillRef idx="1">
+              <a:schemeClr val="accent1"/>
+            </a:fillRef>
+            <a:effectRef idx="0">
+              <a:schemeClr val="accent1"/>
+            </a:effectRef>
+            <a:fontRef idx="minor">
+              <a:schemeClr val="lt1"/>
+            </a:fontRef>
+          </p:style>
+          <p:txBody>
+            <a:bodyPr rtlCol="0" anchor="ctr"/>
+            <a:lstStyle/>
+            <a:p>
+              <a:pPr algn="ctr"/>
+              <a:endParaRPr lang="en-US"/>
+            </a:p>
+          </p:txBody>
+        </p:sp>
+        <p:sp>
+          <p:nvSpPr>
+            <p:cNvPr id="57" name="Text Box 56"/>
+            <p:cNvSpPr txBox="1"/>
+            <p:nvPr/>
+          </p:nvSpPr>
+          <p:spPr>
+            <a:xfrm>
+              <a:off x="5814060" y="3827587"/>
+              <a:ext cx="994435" cy="276999"/>
+            </a:xfrm>
+            <a:prstGeom prst="rect">
+              <a:avLst/>
+            </a:prstGeom>
+            <a:noFill/>
+            <a:ln>
+              <a:noFill/>
+            </a:ln>
+          </p:spPr>
+          <p:txBody>
+            <a:bodyPr wrap="square" rtlCol="0">
+              <a:spAutoFit/>
+            </a:bodyPr>
+            <a:lstStyle/>
+            <a:p>
+              <a:pPr algn="ctr"/>
+              <a:r>
+                <a:rPr lang="en-US" sz="1200" dirty="0" err="1"/>
+                <a:t>softmax</a:t>
+              </a:r>
+              <a:endParaRPr lang="en-US" sz="1200" dirty="0"/>
+            </a:p>
+          </p:txBody>
+        </p:sp>
+      </p:grpSp>
+      <p:sp>
+        <p:nvSpPr>
+          <p:cNvPr id="59" name="Flowchart: Summing Junction 58"/>
+          <p:cNvSpPr/>
+          <p:nvPr/>
+        </p:nvSpPr>
+        <p:spPr>
+          <a:xfrm>
+            <a:off x="7619757" y="3296273"/>
+            <a:ext cx="216000" cy="216000"/>
+          </a:xfrm>
+          <a:prstGeom prst="flowChartSummingJunction">
+            <a:avLst/>
+          </a:prstGeom>
+          <a:noFill/>
+          <a:ln>
+            <a:solidFill>
+              <a:schemeClr val="tx1"/>
+            </a:solidFill>
+          </a:ln>
+        </p:spPr>
+        <p:style>
+          <a:lnRef idx="2">
+            <a:schemeClr val="accent1">
+              <a:shade val="50000"/>
+            </a:schemeClr>
+          </a:lnRef>
+          <a:fillRef idx="1">
+            <a:schemeClr val="accent1"/>
+          </a:fillRef>
+          <a:effectRef idx="0">
+            <a:schemeClr val="accent1"/>
+          </a:effectRef>
+          <a:fontRef idx="minor">
+            <a:schemeClr val="lt1"/>
+          </a:fontRef>
+        </p:style>
+        <p:txBody>
+          <a:bodyPr rtlCol="0" anchor="ctr"/>
+          <a:lstStyle/>
+          <a:p>
+            <a:pPr algn="ctr"/>
+            <a:endParaRPr lang="en-US"/>
+          </a:p>
+        </p:txBody>
+      </p:sp>
+      <p:grpSp>
+        <p:nvGrpSpPr>
+          <p:cNvPr id="168" name="组合 167"/>
+          <p:cNvGrpSpPr/>
+          <p:nvPr/>
+        </p:nvGrpSpPr>
+        <p:grpSpPr>
+          <a:xfrm>
+            <a:off x="7180671" y="2844806"/>
+            <a:ext cx="1080000" cy="288000"/>
+            <a:chOff x="5554000" y="2841215"/>
+            <a:chExt cx="1080000" cy="288000"/>
+          </a:xfrm>
+        </p:grpSpPr>
+        <p:sp>
+          <p:nvSpPr>
+            <p:cNvPr id="63" name="Rounded Rectangle 62"/>
+            <p:cNvSpPr/>
+            <p:nvPr/>
+          </p:nvSpPr>
+          <p:spPr>
+            <a:xfrm>
+              <a:off x="5554000" y="2841215"/>
+              <a:ext cx="1080000" cy="288000"/>
+            </a:xfrm>
+            <a:prstGeom prst="roundRect">
+              <a:avLst/>
+            </a:prstGeom>
+            <a:noFill/>
+            <a:ln>
+              <a:solidFill>
+                <a:schemeClr val="tx1"/>
+              </a:solidFill>
+            </a:ln>
+          </p:spPr>
+          <p:style>
+            <a:lnRef idx="2">
+              <a:schemeClr val="accent1">
+                <a:shade val="50000"/>
+              </a:schemeClr>
+            </a:lnRef>
+            <a:fillRef idx="1">
+              <a:schemeClr val="accent1"/>
+            </a:fillRef>
+            <a:effectRef idx="0">
+              <a:schemeClr val="accent1"/>
+            </a:effectRef>
+            <a:fontRef idx="minor">
+              <a:schemeClr val="lt1"/>
+            </a:fontRef>
+          </p:style>
+          <p:txBody>
+            <a:bodyPr rtlCol="0" anchor="ctr"/>
+            <a:lstStyle/>
+            <a:p>
+              <a:pPr algn="ctr"/>
+              <a:endParaRPr lang="en-US"/>
+            </a:p>
+          </p:txBody>
+        </p:sp>
+        <p:sp>
+          <p:nvSpPr>
+            <p:cNvPr id="64" name="Text Box 63"/>
+            <p:cNvSpPr txBox="1"/>
+            <p:nvPr/>
+          </p:nvSpPr>
+          <p:spPr>
+            <a:xfrm>
+              <a:off x="5709628" y="2854545"/>
+              <a:ext cx="732578" cy="198086"/>
+            </a:xfrm>
+            <a:prstGeom prst="rect">
+              <a:avLst/>
+            </a:prstGeom>
+            <a:noFill/>
+            <a:ln>
+              <a:noFill/>
+            </a:ln>
+          </p:spPr>
+          <p:txBody>
+            <a:bodyPr wrap="square" rtlCol="0">
+              <a:spAutoFit/>
+            </a:bodyPr>
+            <a:lstStyle/>
+            <a:p>
+              <a:pPr algn="ctr"/>
+              <a:r>
+                <a:rPr lang="en-US" sz="1200" dirty="0"/>
+                <a:t>Linear</a:t>
+              </a:r>
+            </a:p>
+          </p:txBody>
+        </p:sp>
+      </p:grpSp>
+      <p:grpSp>
+        <p:nvGrpSpPr>
+          <p:cNvPr id="179" name="组合 178"/>
+          <p:cNvGrpSpPr/>
+          <p:nvPr/>
+        </p:nvGrpSpPr>
+        <p:grpSpPr>
+          <a:xfrm>
+            <a:off x="7180671" y="1735079"/>
+            <a:ext cx="1103216" cy="288457"/>
+            <a:chOff x="5554000" y="1740930"/>
+            <a:chExt cx="1103216" cy="288457"/>
+          </a:xfrm>
+        </p:grpSpPr>
+        <p:sp>
+          <p:nvSpPr>
+            <p:cNvPr id="76" name="Rounded Rectangle 75"/>
+            <p:cNvSpPr/>
+            <p:nvPr/>
+          </p:nvSpPr>
+          <p:spPr>
+            <a:xfrm>
+              <a:off x="5554000" y="1740930"/>
+              <a:ext cx="1080000" cy="288457"/>
+            </a:xfrm>
+            <a:prstGeom prst="roundRect">
+              <a:avLst/>
+            </a:prstGeom>
+            <a:noFill/>
+            <a:ln>
+              <a:solidFill>
+                <a:schemeClr val="tx1"/>
+              </a:solidFill>
+            </a:ln>
+          </p:spPr>
+          <p:style>
+            <a:lnRef idx="2">
+              <a:schemeClr val="accent1">
+                <a:shade val="50000"/>
+              </a:schemeClr>
+            </a:lnRef>
+            <a:fillRef idx="1">
+              <a:schemeClr val="accent1"/>
+            </a:fillRef>
+            <a:effectRef idx="0">
+              <a:schemeClr val="accent1"/>
+            </a:effectRef>
+            <a:fontRef idx="minor">
+              <a:schemeClr val="lt1"/>
+            </a:fontRef>
+          </p:style>
+          <p:txBody>
+            <a:bodyPr rtlCol="0" anchor="ctr"/>
+            <a:lstStyle/>
+            <a:p>
+              <a:pPr algn="ctr"/>
+              <a:endParaRPr lang="en-US"/>
+            </a:p>
+          </p:txBody>
+        </p:sp>
+        <p:sp>
+          <p:nvSpPr>
+            <p:cNvPr id="77" name="Text Box 76"/>
+            <p:cNvSpPr txBox="1"/>
+            <p:nvPr/>
+          </p:nvSpPr>
+          <p:spPr>
+            <a:xfrm>
+              <a:off x="5646296" y="1744269"/>
+              <a:ext cx="1010920" cy="198400"/>
+            </a:xfrm>
+            <a:prstGeom prst="rect">
+              <a:avLst/>
+            </a:prstGeom>
+            <a:noFill/>
+            <a:ln>
+              <a:noFill/>
+            </a:ln>
+          </p:spPr>
+          <p:txBody>
+            <a:bodyPr wrap="square" rtlCol="0">
+              <a:spAutoFit/>
+            </a:bodyPr>
+            <a:lstStyle/>
+            <a:p>
+              <a:pPr algn="ctr"/>
+              <a:r>
+                <a:rPr lang="en-US" sz="1200" dirty="0" err="1"/>
+                <a:t>RMSNorm</a:t>
+              </a:r>
+              <a:endParaRPr lang="en-US" sz="1200" dirty="0"/>
+            </a:p>
+          </p:txBody>
+        </p:sp>
+      </p:grpSp>
+      <p:sp>
+        <p:nvSpPr>
+          <p:cNvPr id="78" name="Flowchart: Or 77"/>
+          <p:cNvSpPr/>
+          <p:nvPr/>
+        </p:nvSpPr>
+        <p:spPr>
+          <a:xfrm>
+            <a:off x="7616682" y="2405973"/>
+            <a:ext cx="216000" cy="216000"/>
+          </a:xfrm>
+          <a:prstGeom prst="flowChartOr">
+            <a:avLst/>
+          </a:prstGeom>
+          <a:noFill/>
+          <a:ln>
+            <a:solidFill>
+              <a:schemeClr val="tx1"/>
+            </a:solidFill>
+          </a:ln>
+        </p:spPr>
+        <p:style>
+          <a:lnRef idx="2">
+            <a:schemeClr val="accent1">
+              <a:shade val="50000"/>
+            </a:schemeClr>
+          </a:lnRef>
+          <a:fillRef idx="1">
+            <a:schemeClr val="accent1"/>
+          </a:fillRef>
+          <a:effectRef idx="0">
+            <a:schemeClr val="accent1"/>
+          </a:effectRef>
+          <a:fontRef idx="minor">
+            <a:schemeClr val="lt1"/>
+          </a:fontRef>
+        </p:style>
+        <p:txBody>
+          <a:bodyPr rtlCol="0" anchor="ctr"/>
+          <a:lstStyle/>
+          <a:p>
+            <a:pPr algn="ctr"/>
+            <a:endParaRPr lang="en-US"/>
+          </a:p>
+        </p:txBody>
+      </p:sp>
+      <p:grpSp>
+        <p:nvGrpSpPr>
+          <p:cNvPr id="180" name="组合 179"/>
+          <p:cNvGrpSpPr/>
+          <p:nvPr/>
+        </p:nvGrpSpPr>
+        <p:grpSpPr>
+          <a:xfrm>
+            <a:off x="7184214" y="1188702"/>
+            <a:ext cx="1080000" cy="288000"/>
+            <a:chOff x="5550425" y="1244362"/>
+            <a:chExt cx="1080000" cy="288000"/>
+          </a:xfrm>
+        </p:grpSpPr>
+        <p:sp>
+          <p:nvSpPr>
+            <p:cNvPr id="81" name="Rounded Rectangle 80"/>
+            <p:cNvSpPr/>
+            <p:nvPr/>
+          </p:nvSpPr>
+          <p:spPr>
+            <a:xfrm>
+              <a:off x="5550425" y="1244362"/>
+              <a:ext cx="1080000" cy="288000"/>
+            </a:xfrm>
+            <a:prstGeom prst="roundRect">
+              <a:avLst/>
+            </a:prstGeom>
+            <a:noFill/>
+            <a:ln>
+              <a:solidFill>
+                <a:schemeClr val="tx1"/>
+              </a:solidFill>
+            </a:ln>
+          </p:spPr>
+          <p:style>
+            <a:lnRef idx="2">
+              <a:schemeClr val="accent1">
+                <a:shade val="50000"/>
+              </a:schemeClr>
+            </a:lnRef>
+            <a:fillRef idx="1">
+              <a:schemeClr val="accent1"/>
+            </a:fillRef>
+            <a:effectRef idx="0">
+              <a:schemeClr val="accent1"/>
+            </a:effectRef>
+            <a:fontRef idx="minor">
+              <a:schemeClr val="lt1"/>
+            </a:fontRef>
+          </p:style>
+          <p:txBody>
+            <a:bodyPr rtlCol="0" anchor="ctr"/>
+            <a:lstStyle/>
+            <a:p>
+              <a:pPr algn="ctr"/>
+              <a:endParaRPr lang="en-US"/>
+            </a:p>
+          </p:txBody>
+        </p:sp>
+        <p:sp>
+          <p:nvSpPr>
+            <p:cNvPr id="82" name="Text Box 81"/>
+            <p:cNvSpPr txBox="1"/>
+            <p:nvPr/>
+          </p:nvSpPr>
+          <p:spPr>
+            <a:xfrm>
+              <a:off x="5566098" y="1247987"/>
+              <a:ext cx="1010920" cy="275590"/>
+            </a:xfrm>
+            <a:prstGeom prst="rect">
+              <a:avLst/>
+            </a:prstGeom>
+            <a:noFill/>
+            <a:ln>
+              <a:noFill/>
+            </a:ln>
+          </p:spPr>
+          <p:txBody>
+            <a:bodyPr wrap="square" rtlCol="0">
+              <a:spAutoFit/>
+            </a:bodyPr>
+            <a:lstStyle/>
+            <a:p>
+              <a:pPr algn="ctr"/>
+              <a:r>
+                <a:rPr lang="en-US" sz="1200" dirty="0"/>
+                <a:t>Linear</a:t>
+              </a:r>
+            </a:p>
+          </p:txBody>
+        </p:sp>
+      </p:grpSp>
+      <p:sp>
+        <p:nvSpPr>
+          <p:cNvPr id="94" name="Flowchart: Or 93"/>
+          <p:cNvSpPr/>
+          <p:nvPr/>
+        </p:nvSpPr>
+        <p:spPr>
+          <a:xfrm>
+            <a:off x="7604684" y="693626"/>
+            <a:ext cx="216000" cy="216000"/>
+          </a:xfrm>
+          <a:prstGeom prst="flowChartOr">
+            <a:avLst/>
+          </a:prstGeom>
+          <a:noFill/>
+          <a:ln>
+            <a:solidFill>
+              <a:schemeClr val="tx1"/>
+            </a:solidFill>
+          </a:ln>
+        </p:spPr>
+        <p:style>
+          <a:lnRef idx="2">
+            <a:schemeClr val="accent1">
+              <a:shade val="50000"/>
+            </a:schemeClr>
+          </a:lnRef>
+          <a:fillRef idx="1">
+            <a:schemeClr val="accent1"/>
+          </a:fillRef>
+          <a:effectRef idx="0">
+            <a:schemeClr val="accent1"/>
+          </a:effectRef>
+          <a:fontRef idx="minor">
+            <a:schemeClr val="lt1"/>
+          </a:fontRef>
+        </p:style>
+        <p:txBody>
+          <a:bodyPr rtlCol="0" anchor="ctr"/>
+          <a:lstStyle/>
+          <a:p>
+            <a:pPr algn="ctr"/>
+            <a:endParaRPr lang="en-US"/>
+          </a:p>
+        </p:txBody>
+      </p:sp>
+      <p:grpSp>
+        <p:nvGrpSpPr>
+          <p:cNvPr id="95" name="Group 94"/>
+          <p:cNvGrpSpPr/>
+          <p:nvPr/>
+        </p:nvGrpSpPr>
+        <p:grpSpPr>
+          <a:xfrm>
+            <a:off x="2726014" y="2681792"/>
+            <a:ext cx="1489710" cy="400050"/>
+            <a:chOff x="9191" y="7978"/>
+            <a:chExt cx="2346" cy="630"/>
+          </a:xfrm>
+        </p:grpSpPr>
+        <p:sp>
+          <p:nvSpPr>
+            <p:cNvPr id="96" name="Rounded Rectangle 95"/>
+            <p:cNvSpPr/>
+            <p:nvPr/>
+          </p:nvSpPr>
+          <p:spPr>
+            <a:xfrm>
+              <a:off x="9191" y="7978"/>
+              <a:ext cx="2347" cy="631"/>
+            </a:xfrm>
+            <a:prstGeom prst="roundRect">
+              <a:avLst/>
+            </a:prstGeom>
+            <a:noFill/>
+            <a:ln>
+              <a:solidFill>
+                <a:schemeClr val="tx1"/>
+              </a:solidFill>
+            </a:ln>
+          </p:spPr>
+          <p:style>
+            <a:lnRef idx="2">
+              <a:schemeClr val="accent1">
+                <a:shade val="50000"/>
+              </a:schemeClr>
+            </a:lnRef>
+            <a:fillRef idx="1">
+              <a:schemeClr val="accent1"/>
+            </a:fillRef>
+            <a:effectRef idx="0">
+              <a:schemeClr val="accent1"/>
+            </a:effectRef>
+            <a:fontRef idx="minor">
+              <a:schemeClr val="lt1"/>
+            </a:fontRef>
+          </p:style>
+          <p:txBody>
+            <a:bodyPr rtlCol="0" anchor="ctr"/>
+            <a:lstStyle/>
+            <a:p>
+              <a:pPr algn="ctr"/>
+              <a:endParaRPr lang="en-US"/>
+            </a:p>
+          </p:txBody>
+        </p:sp>
+        <p:sp>
+          <p:nvSpPr>
+            <p:cNvPr id="97" name="Text Box 96"/>
+            <p:cNvSpPr txBox="1"/>
+            <p:nvPr/>
+          </p:nvSpPr>
+          <p:spPr>
+            <a:xfrm>
+              <a:off x="9637" y="8057"/>
+              <a:ext cx="1592" cy="434"/>
+            </a:xfrm>
+            <a:prstGeom prst="rect">
+              <a:avLst/>
+            </a:prstGeom>
+            <a:noFill/>
+            <a:ln>
+              <a:noFill/>
+            </a:ln>
+          </p:spPr>
+          <p:txBody>
+            <a:bodyPr wrap="square" rtlCol="0">
+              <a:spAutoFit/>
+            </a:bodyPr>
+            <a:lstStyle/>
+            <a:p>
+              <a:pPr algn="ctr"/>
+              <a:r>
+                <a:rPr lang="en-US" sz="1200"/>
+                <a:t>RMSNorm</a:t>
+              </a:r>
+            </a:p>
+          </p:txBody>
+        </p:sp>
+      </p:grpSp>
+      <p:grpSp>
+        <p:nvGrpSpPr>
+          <p:cNvPr id="98" name="Group 97"/>
+          <p:cNvGrpSpPr/>
+          <p:nvPr/>
+        </p:nvGrpSpPr>
+        <p:grpSpPr>
+          <a:xfrm>
+            <a:off x="2736909" y="1990109"/>
+            <a:ext cx="1490345" cy="400685"/>
+            <a:chOff x="9191" y="7978"/>
+            <a:chExt cx="2347" cy="631"/>
+          </a:xfrm>
+        </p:grpSpPr>
+        <p:sp>
+          <p:nvSpPr>
+            <p:cNvPr id="99" name="Rounded Rectangle 98"/>
+            <p:cNvSpPr/>
+            <p:nvPr/>
+          </p:nvSpPr>
+          <p:spPr>
+            <a:xfrm>
+              <a:off x="9191" y="7978"/>
+              <a:ext cx="2347" cy="631"/>
+            </a:xfrm>
+            <a:prstGeom prst="roundRect">
+              <a:avLst/>
+            </a:prstGeom>
+            <a:noFill/>
+            <a:ln>
+              <a:solidFill>
+                <a:schemeClr val="tx1"/>
+              </a:solidFill>
+            </a:ln>
+          </p:spPr>
+          <p:style>
+            <a:lnRef idx="2">
+              <a:schemeClr val="accent1">
+                <a:shade val="50000"/>
+              </a:schemeClr>
+            </a:lnRef>
+            <a:fillRef idx="1">
+              <a:schemeClr val="accent1"/>
+            </a:fillRef>
+            <a:effectRef idx="0">
+              <a:schemeClr val="accent1"/>
+            </a:effectRef>
+            <a:fontRef idx="minor">
+              <a:schemeClr val="lt1"/>
+            </a:fontRef>
+          </p:style>
+          <p:txBody>
+            <a:bodyPr rtlCol="0" anchor="ctr"/>
+            <a:lstStyle/>
+            <a:p>
+              <a:pPr algn="ctr"/>
+              <a:endParaRPr lang="en-US"/>
+            </a:p>
+          </p:txBody>
+        </p:sp>
+        <p:sp>
+          <p:nvSpPr>
+            <p:cNvPr id="100" name="Text Box 99"/>
+            <p:cNvSpPr txBox="1"/>
+            <p:nvPr/>
+          </p:nvSpPr>
+          <p:spPr>
+            <a:xfrm>
+              <a:off x="9637" y="8057"/>
+              <a:ext cx="1592" cy="434"/>
+            </a:xfrm>
+            <a:prstGeom prst="rect">
+              <a:avLst/>
+            </a:prstGeom>
+            <a:noFill/>
+            <a:ln>
+              <a:noFill/>
+            </a:ln>
+          </p:spPr>
+          <p:txBody>
+            <a:bodyPr wrap="square" rtlCol="0">
+              <a:spAutoFit/>
+            </a:bodyPr>
+            <a:lstStyle/>
+            <a:p>
+              <a:pPr algn="ctr"/>
+              <a:r>
+                <a:rPr lang="en-US" sz="1200"/>
+                <a:t>Linear</a:t>
+              </a:r>
+            </a:p>
+          </p:txBody>
+        </p:sp>
+      </p:grpSp>
+      <p:cxnSp>
+        <p:nvCxnSpPr>
+          <p:cNvPr id="8" name="直接箭头连接符 7"/>
+          <p:cNvCxnSpPr>
+            <a:stCxn id="63" idx="0"/>
+            <a:endCxn id="78" idx="4"/>
+          </p:cNvCxnSpPr>
+          <p:nvPr/>
+        </p:nvCxnSpPr>
+        <p:spPr>
+          <a:xfrm flipV="1">
+            <a:off x="7720671" y="2621973"/>
+            <a:ext cx="4011" cy="222833"/>
+          </a:xfrm>
+          <a:prstGeom prst="straightConnector1">
+            <a:avLst/>
+          </a:prstGeom>
+          <a:ln>
+            <a:tailEnd type="triangle"/>
+          </a:ln>
+        </p:spPr>
+        <p:style>
+          <a:lnRef idx="1">
+            <a:schemeClr val="accent1"/>
+          </a:lnRef>
+          <a:fillRef idx="0">
+            <a:schemeClr val="accent1"/>
+          </a:fillRef>
+          <a:effectRef idx="0">
+            <a:schemeClr val="accent1"/>
+          </a:effectRef>
+          <a:fontRef idx="minor">
+            <a:schemeClr val="tx1"/>
+          </a:fontRef>
+        </p:style>
+      </p:cxnSp>
+      <p:cxnSp>
+        <p:nvCxnSpPr>
+          <p:cNvPr id="10" name="直接箭头连接符 9"/>
+          <p:cNvCxnSpPr>
+            <a:stCxn id="59" idx="0"/>
+            <a:endCxn id="63" idx="2"/>
+          </p:cNvCxnSpPr>
+          <p:nvPr/>
+        </p:nvCxnSpPr>
+        <p:spPr>
+          <a:xfrm flipH="1" flipV="1">
+            <a:off x="7720671" y="3132806"/>
+            <a:ext cx="7086" cy="163467"/>
+          </a:xfrm>
+          <a:prstGeom prst="straightConnector1">
+            <a:avLst/>
+          </a:prstGeom>
+          <a:ln>
+            <a:tailEnd type="triangle"/>
+          </a:ln>
+        </p:spPr>
+        <p:style>
+          <a:lnRef idx="1">
+            <a:schemeClr val="accent1"/>
+          </a:lnRef>
+          <a:fillRef idx="0">
+            <a:schemeClr val="accent1"/>
+          </a:fillRef>
+          <a:effectRef idx="0">
+            <a:schemeClr val="accent1"/>
+          </a:effectRef>
+          <a:fontRef idx="minor">
+            <a:schemeClr val="tx1"/>
+          </a:fontRef>
+        </p:style>
+      </p:cxnSp>
+      <p:cxnSp>
+        <p:nvCxnSpPr>
+          <p:cNvPr id="18" name="直接箭头连接符 17"/>
+          <p:cNvCxnSpPr>
+            <a:endCxn id="29" idx="2"/>
+          </p:cNvCxnSpPr>
+          <p:nvPr/>
+        </p:nvCxnSpPr>
+        <p:spPr>
+          <a:xfrm flipH="1" flipV="1">
+            <a:off x="7950727" y="6383860"/>
+            <a:ext cx="7414" cy="238351"/>
+          </a:xfrm>
+          <a:prstGeom prst="straightConnector1">
+            <a:avLst/>
+          </a:prstGeom>
+          <a:ln>
+            <a:tailEnd type="triangle"/>
+          </a:ln>
+        </p:spPr>
+        <p:style>
+          <a:lnRef idx="1">
+            <a:schemeClr val="accent1"/>
+          </a:lnRef>
+          <a:fillRef idx="0">
+            <a:schemeClr val="accent1"/>
+          </a:fillRef>
+          <a:effectRef idx="0">
+            <a:schemeClr val="accent1"/>
+          </a:effectRef>
+          <a:fontRef idx="minor">
+            <a:schemeClr val="tx1"/>
+          </a:fontRef>
+        </p:style>
+      </p:cxnSp>
+      <p:cxnSp>
+        <p:nvCxnSpPr>
+          <p:cNvPr id="21" name="直接箭头连接符 20"/>
+          <p:cNvCxnSpPr>
+            <a:stCxn id="29" idx="0"/>
+            <a:endCxn id="32" idx="2"/>
+          </p:cNvCxnSpPr>
+          <p:nvPr/>
+        </p:nvCxnSpPr>
+        <p:spPr>
+          <a:xfrm flipV="1">
+            <a:off x="7950727" y="5967902"/>
+            <a:ext cx="0" cy="127958"/>
+          </a:xfrm>
+          <a:prstGeom prst="straightConnector1">
+            <a:avLst/>
+          </a:prstGeom>
+          <a:ln>
+            <a:tailEnd type="triangle"/>
+          </a:ln>
+        </p:spPr>
+        <p:style>
+          <a:lnRef idx="1">
+            <a:schemeClr val="accent1"/>
+          </a:lnRef>
+          <a:fillRef idx="0">
+            <a:schemeClr val="accent1"/>
+          </a:fillRef>
+          <a:effectRef idx="0">
+            <a:schemeClr val="accent1"/>
+          </a:effectRef>
+          <a:fontRef idx="minor">
+            <a:schemeClr val="tx1"/>
+          </a:fontRef>
+        </p:style>
+      </p:cxnSp>
+      <p:cxnSp>
+        <p:nvCxnSpPr>
+          <p:cNvPr id="46" name="肘形连接符 45"/>
+          <p:cNvCxnSpPr>
+            <a:stCxn id="32" idx="0"/>
+            <a:endCxn id="41" idx="2"/>
+          </p:cNvCxnSpPr>
+          <p:nvPr/>
+        </p:nvCxnSpPr>
+        <p:spPr>
+          <a:xfrm rot="5400000" flipH="1" flipV="1">
+            <a:off x="8077385" y="5353072"/>
+            <a:ext cx="200173" cy="453489"/>
+          </a:xfrm>
+          <a:prstGeom prst="bentConnector3">
+            <a:avLst/>
+          </a:prstGeom>
+          <a:ln>
+            <a:tailEnd type="triangle"/>
+          </a:ln>
+        </p:spPr>
+        <p:style>
+          <a:lnRef idx="1">
+            <a:schemeClr val="accent1"/>
+          </a:lnRef>
+          <a:fillRef idx="0">
+            <a:schemeClr val="accent1"/>
+          </a:fillRef>
+          <a:effectRef idx="0">
+            <a:schemeClr val="accent1"/>
+          </a:effectRef>
+          <a:fontRef idx="minor">
+            <a:schemeClr val="tx1"/>
+          </a:fontRef>
+        </p:style>
+      </p:cxnSp>
+      <p:sp>
+        <p:nvSpPr>
+          <p:cNvPr id="71" name="流程图: 联系 70"/>
+          <p:cNvSpPr/>
+          <p:nvPr/>
+        </p:nvSpPr>
+        <p:spPr>
+          <a:xfrm>
+            <a:off x="7930623" y="6513553"/>
+            <a:ext cx="45719" cy="45719"/>
+          </a:xfrm>
+          <a:prstGeom prst="flowChartConnector">
+            <a:avLst/>
+          </a:prstGeom>
+        </p:spPr>
+        <p:style>
+          <a:lnRef idx="2">
+            <a:schemeClr val="accent1">
+              <a:shade val="50000"/>
+            </a:schemeClr>
+          </a:lnRef>
+          <a:fillRef idx="1">
+            <a:schemeClr val="accent1"/>
+          </a:fillRef>
+          <a:effectRef idx="0">
+            <a:schemeClr val="accent1"/>
+          </a:effectRef>
+          <a:fontRef idx="minor">
+            <a:schemeClr val="lt1"/>
+          </a:fontRef>
+        </p:style>
+        <p:txBody>
+          <a:bodyPr rtlCol="0" anchor="ctr"/>
+          <a:lstStyle/>
+          <a:p>
+            <a:pPr algn="ctr"/>
+            <a:endParaRPr lang="zh-CN" altLang="en-US"/>
+          </a:p>
+        </p:txBody>
+      </p:sp>
+      <p:cxnSp>
+        <p:nvCxnSpPr>
+          <p:cNvPr id="73" name="肘形连接符 72"/>
+          <p:cNvCxnSpPr>
+            <a:stCxn id="71" idx="6"/>
+            <a:endCxn id="78" idx="6"/>
+          </p:cNvCxnSpPr>
+          <p:nvPr/>
+        </p:nvCxnSpPr>
+        <p:spPr>
+          <a:xfrm flipH="1" flipV="1">
+            <a:off x="7832682" y="2513973"/>
+            <a:ext cx="143660" cy="4022440"/>
+          </a:xfrm>
+          <a:prstGeom prst="bentConnector3">
+            <a:avLst>
+              <a:gd name="adj1" fmla="val -968139"/>
+            </a:avLst>
+          </a:prstGeom>
+          <a:ln>
+            <a:tailEnd type="triangle"/>
+          </a:ln>
+        </p:spPr>
+        <p:style>
+          <a:lnRef idx="1">
+            <a:schemeClr val="accent1"/>
+          </a:lnRef>
+          <a:fillRef idx="0">
+            <a:schemeClr val="accent1"/>
+          </a:fillRef>
+          <a:effectRef idx="0">
+            <a:schemeClr val="accent1"/>
+          </a:effectRef>
+          <a:fontRef idx="minor">
+            <a:schemeClr val="tx1"/>
+          </a:fontRef>
+        </p:style>
+      </p:cxnSp>
+      <p:cxnSp>
+        <p:nvCxnSpPr>
+          <p:cNvPr id="102" name="直接箭头连接符 101"/>
+          <p:cNvCxnSpPr>
+            <a:stCxn id="48" idx="0"/>
+            <a:endCxn id="52" idx="4"/>
+          </p:cNvCxnSpPr>
+          <p:nvPr/>
+        </p:nvCxnSpPr>
+        <p:spPr>
+          <a:xfrm flipH="1" flipV="1">
+            <a:off x="7721652" y="4336781"/>
+            <a:ext cx="4789" cy="146525"/>
+          </a:xfrm>
+          <a:prstGeom prst="straightConnector1">
+            <a:avLst/>
+          </a:prstGeom>
+          <a:ln>
+            <a:tailEnd type="triangle"/>
+          </a:ln>
+        </p:spPr>
+        <p:style>
+          <a:lnRef idx="1">
+            <a:schemeClr val="accent1"/>
+          </a:lnRef>
+          <a:fillRef idx="0">
+            <a:schemeClr val="accent1"/>
+          </a:fillRef>
+          <a:effectRef idx="0">
+            <a:schemeClr val="accent1"/>
+          </a:effectRef>
+          <a:fontRef idx="minor">
+            <a:schemeClr val="tx1"/>
+          </a:fontRef>
+        </p:style>
+      </p:cxnSp>
+      <p:cxnSp>
+        <p:nvCxnSpPr>
+          <p:cNvPr id="108" name="肘形连接符 107"/>
+          <p:cNvCxnSpPr>
+            <a:stCxn id="32" idx="0"/>
+            <a:endCxn id="38" idx="2"/>
+          </p:cNvCxnSpPr>
+          <p:nvPr/>
+        </p:nvCxnSpPr>
+        <p:spPr>
+          <a:xfrm rot="5400000" flipH="1" flipV="1">
+            <a:off x="7850223" y="5578964"/>
+            <a:ext cx="201443" cy="434"/>
+          </a:xfrm>
+          <a:prstGeom prst="bentConnector3">
+            <a:avLst/>
+          </a:prstGeom>
+          <a:ln>
+            <a:tailEnd type="triangle"/>
+          </a:ln>
+        </p:spPr>
+        <p:style>
+          <a:lnRef idx="1">
+            <a:schemeClr val="accent1"/>
+          </a:lnRef>
+          <a:fillRef idx="0">
+            <a:schemeClr val="accent1"/>
+          </a:fillRef>
+          <a:effectRef idx="0">
+            <a:schemeClr val="accent1"/>
+          </a:effectRef>
+          <a:fontRef idx="minor">
+            <a:schemeClr val="tx1"/>
+          </a:fontRef>
+        </p:style>
+      </p:cxnSp>
+      <p:cxnSp>
+        <p:nvCxnSpPr>
+          <p:cNvPr id="110" name="肘形连接符 109"/>
+          <p:cNvCxnSpPr>
+            <a:stCxn id="32" idx="0"/>
+            <a:endCxn id="35" idx="2"/>
+          </p:cNvCxnSpPr>
+          <p:nvPr/>
+        </p:nvCxnSpPr>
+        <p:spPr>
+          <a:xfrm rot="16200000" flipV="1">
+            <a:off x="7633318" y="5362493"/>
+            <a:ext cx="201443" cy="433376"/>
+          </a:xfrm>
+          <a:prstGeom prst="bentConnector3">
+            <a:avLst/>
+          </a:prstGeom>
+          <a:ln>
+            <a:tailEnd type="triangle"/>
+          </a:ln>
+        </p:spPr>
+        <p:style>
+          <a:lnRef idx="1">
+            <a:schemeClr val="accent1"/>
+          </a:lnRef>
+          <a:fillRef idx="0">
+            <a:schemeClr val="accent1"/>
+          </a:fillRef>
+          <a:effectRef idx="0">
+            <a:schemeClr val="accent1"/>
+          </a:effectRef>
+          <a:fontRef idx="minor">
+            <a:schemeClr val="tx1"/>
+          </a:fontRef>
+        </p:style>
+      </p:cxnSp>
+      <p:cxnSp>
+        <p:nvCxnSpPr>
+          <p:cNvPr id="112" name="直接箭头连接符 111"/>
+          <p:cNvCxnSpPr>
+            <a:stCxn id="23" idx="3"/>
+            <a:endCxn id="52" idx="2"/>
+          </p:cNvCxnSpPr>
+          <p:nvPr/>
+        </p:nvCxnSpPr>
+        <p:spPr>
+          <a:xfrm flipV="1">
+            <a:off x="7193375" y="4228781"/>
+            <a:ext cx="420277" cy="9625"/>
+          </a:xfrm>
+          <a:prstGeom prst="straightConnector1">
+            <a:avLst/>
+          </a:prstGeom>
+          <a:ln>
+            <a:tailEnd type="triangle"/>
+          </a:ln>
+        </p:spPr>
+        <p:style>
+          <a:lnRef idx="1">
+            <a:schemeClr val="accent1"/>
+          </a:lnRef>
+          <a:fillRef idx="0">
+            <a:schemeClr val="accent1"/>
+          </a:fillRef>
+          <a:effectRef idx="0">
+            <a:schemeClr val="accent1"/>
+          </a:effectRef>
+          <a:fontRef idx="minor">
+            <a:schemeClr val="tx1"/>
+          </a:fontRef>
+        </p:style>
+      </p:cxnSp>
+      <p:cxnSp>
+        <p:nvCxnSpPr>
+          <p:cNvPr id="114" name="直接箭头连接符 113"/>
+          <p:cNvCxnSpPr>
+            <a:stCxn id="52" idx="0"/>
+            <a:endCxn id="56" idx="2"/>
+          </p:cNvCxnSpPr>
+          <p:nvPr/>
+        </p:nvCxnSpPr>
+        <p:spPr>
+          <a:xfrm flipV="1">
+            <a:off x="7721652" y="3982013"/>
+            <a:ext cx="1391" cy="138768"/>
+          </a:xfrm>
+          <a:prstGeom prst="straightConnector1">
+            <a:avLst/>
+          </a:prstGeom>
+          <a:ln>
+            <a:tailEnd type="triangle"/>
+          </a:ln>
+        </p:spPr>
+        <p:style>
+          <a:lnRef idx="1">
+            <a:schemeClr val="accent1"/>
+          </a:lnRef>
+          <a:fillRef idx="0">
+            <a:schemeClr val="accent1"/>
+          </a:fillRef>
+          <a:effectRef idx="0">
+            <a:schemeClr val="accent1"/>
+          </a:effectRef>
+          <a:fontRef idx="minor">
+            <a:schemeClr val="tx1"/>
+          </a:fontRef>
+        </p:style>
+      </p:cxnSp>
+      <p:cxnSp>
+        <p:nvCxnSpPr>
+          <p:cNvPr id="118" name="肘形连接符 117"/>
+          <p:cNvCxnSpPr>
+            <a:stCxn id="41" idx="0"/>
+            <a:endCxn id="59" idx="6"/>
+          </p:cNvCxnSpPr>
+          <p:nvPr/>
+        </p:nvCxnSpPr>
+        <p:spPr>
+          <a:xfrm rot="16200000" flipV="1">
+            <a:off x="7226259" y="4013771"/>
+            <a:ext cx="1787456" cy="568459"/>
+          </a:xfrm>
+          <a:prstGeom prst="bentConnector2">
+            <a:avLst/>
+          </a:prstGeom>
+          <a:ln>
+            <a:tailEnd type="triangle"/>
+          </a:ln>
+        </p:spPr>
+        <p:style>
+          <a:lnRef idx="1">
+            <a:schemeClr val="accent1"/>
+          </a:lnRef>
+          <a:fillRef idx="0">
+            <a:schemeClr val="accent1"/>
+          </a:fillRef>
+          <a:effectRef idx="0">
+            <a:schemeClr val="accent1"/>
+          </a:effectRef>
+          <a:fontRef idx="minor">
+            <a:schemeClr val="tx1"/>
+          </a:fontRef>
+        </p:style>
+      </p:cxnSp>
+      <p:cxnSp>
+        <p:nvCxnSpPr>
+          <p:cNvPr id="120" name="直接箭头连接符 119"/>
+          <p:cNvCxnSpPr>
+            <a:stCxn id="56" idx="0"/>
+            <a:endCxn id="59" idx="4"/>
+          </p:cNvCxnSpPr>
+          <p:nvPr/>
+        </p:nvCxnSpPr>
+        <p:spPr>
+          <a:xfrm flipV="1">
+            <a:off x="7723043" y="3512273"/>
+            <a:ext cx="4714" cy="181740"/>
+          </a:xfrm>
+          <a:prstGeom prst="straightConnector1">
+            <a:avLst/>
+          </a:prstGeom>
+          <a:ln>
+            <a:tailEnd type="triangle"/>
+          </a:ln>
+        </p:spPr>
+        <p:style>
+          <a:lnRef idx="1">
+            <a:schemeClr val="accent1"/>
+          </a:lnRef>
+          <a:fillRef idx="0">
+            <a:schemeClr val="accent1"/>
+          </a:fillRef>
+          <a:effectRef idx="0">
+            <a:schemeClr val="accent1"/>
+          </a:effectRef>
+          <a:fontRef idx="minor">
+            <a:schemeClr val="tx1"/>
+          </a:fontRef>
+        </p:style>
+      </p:cxnSp>
+      <p:cxnSp>
+        <p:nvCxnSpPr>
+          <p:cNvPr id="123" name="直接箭头连接符 122"/>
+          <p:cNvCxnSpPr>
+            <a:stCxn id="78" idx="0"/>
+            <a:endCxn id="76" idx="2"/>
+          </p:cNvCxnSpPr>
+          <p:nvPr/>
+        </p:nvCxnSpPr>
+        <p:spPr>
+          <a:xfrm flipH="1" flipV="1">
+            <a:off x="7720671" y="2023536"/>
+            <a:ext cx="4011" cy="382437"/>
+          </a:xfrm>
+          <a:prstGeom prst="straightConnector1">
+            <a:avLst/>
+          </a:prstGeom>
+          <a:ln>
+            <a:tailEnd type="triangle"/>
+          </a:ln>
+        </p:spPr>
+        <p:style>
+          <a:lnRef idx="1">
+            <a:schemeClr val="accent1"/>
+          </a:lnRef>
+          <a:fillRef idx="0">
+            <a:schemeClr val="accent1"/>
+          </a:fillRef>
+          <a:effectRef idx="0">
+            <a:schemeClr val="accent1"/>
+          </a:effectRef>
+          <a:fontRef idx="minor">
+            <a:schemeClr val="tx1"/>
+          </a:fontRef>
+        </p:style>
+      </p:cxnSp>
+      <p:cxnSp>
+        <p:nvCxnSpPr>
+          <p:cNvPr id="125" name="直接箭头连接符 124"/>
+          <p:cNvCxnSpPr>
+            <a:stCxn id="76" idx="0"/>
+            <a:endCxn id="81" idx="2"/>
+          </p:cNvCxnSpPr>
+          <p:nvPr/>
+        </p:nvCxnSpPr>
+        <p:spPr>
+          <a:xfrm flipV="1">
+            <a:off x="7720671" y="1476702"/>
+            <a:ext cx="3543" cy="258377"/>
+          </a:xfrm>
+          <a:prstGeom prst="straightConnector1">
+            <a:avLst/>
+          </a:prstGeom>
+          <a:ln>
+            <a:tailEnd type="triangle"/>
+          </a:ln>
+        </p:spPr>
+        <p:style>
+          <a:lnRef idx="1">
+            <a:schemeClr val="accent1"/>
+          </a:lnRef>
+          <a:fillRef idx="0">
+            <a:schemeClr val="accent1"/>
+          </a:fillRef>
+          <a:effectRef idx="0">
+            <a:schemeClr val="accent1"/>
+          </a:effectRef>
+          <a:fontRef idx="minor">
+            <a:schemeClr val="tx1"/>
+          </a:fontRef>
+        </p:style>
+      </p:cxnSp>
+      <p:cxnSp>
+        <p:nvCxnSpPr>
+          <p:cNvPr id="140" name="直接箭头连接符 139"/>
+          <p:cNvCxnSpPr>
+            <a:stCxn id="82" idx="0"/>
+            <a:endCxn id="94" idx="4"/>
+          </p:cNvCxnSpPr>
+          <p:nvPr/>
+        </p:nvCxnSpPr>
+        <p:spPr>
+          <a:xfrm flipV="1">
+            <a:off x="7705347" y="909626"/>
+            <a:ext cx="7337" cy="282701"/>
+          </a:xfrm>
+          <a:prstGeom prst="straightConnector1">
+            <a:avLst/>
+          </a:prstGeom>
+          <a:ln>
+            <a:tailEnd type="triangle"/>
+          </a:ln>
+        </p:spPr>
+        <p:style>
+          <a:lnRef idx="1">
+            <a:schemeClr val="accent1"/>
+          </a:lnRef>
+          <a:fillRef idx="0">
+            <a:schemeClr val="accent1"/>
+          </a:fillRef>
+          <a:effectRef idx="0">
+            <a:schemeClr val="accent1"/>
+          </a:effectRef>
+          <a:fontRef idx="minor">
+            <a:schemeClr val="tx1"/>
+          </a:fontRef>
+        </p:style>
+      </p:cxnSp>
+      <p:sp>
+        <p:nvSpPr>
+          <p:cNvPr id="155" name="流程图: 联系 154"/>
+          <p:cNvSpPr/>
+          <p:nvPr/>
+        </p:nvSpPr>
+        <p:spPr>
+          <a:xfrm>
+            <a:off x="7694371" y="2216093"/>
+            <a:ext cx="45719" cy="45719"/>
+          </a:xfrm>
+          <a:prstGeom prst="flowChartConnector">
+            <a:avLst/>
+          </a:prstGeom>
+        </p:spPr>
+        <p:style>
+          <a:lnRef idx="2">
+            <a:schemeClr val="accent1">
+              <a:shade val="50000"/>
+            </a:schemeClr>
+          </a:lnRef>
+          <a:fillRef idx="1">
+            <a:schemeClr val="accent1"/>
+          </a:fillRef>
+          <a:effectRef idx="0">
+            <a:schemeClr val="accent1"/>
+          </a:effectRef>
+          <a:fontRef idx="minor">
+            <a:schemeClr val="lt1"/>
+          </a:fontRef>
+        </p:style>
+        <p:txBody>
+          <a:bodyPr rtlCol="0" anchor="ctr"/>
+          <a:lstStyle/>
+          <a:p>
+            <a:pPr algn="ctr"/>
+            <a:endParaRPr lang="zh-CN" altLang="en-US"/>
+          </a:p>
+        </p:txBody>
+      </p:sp>
+      <p:cxnSp>
+        <p:nvCxnSpPr>
+          <p:cNvPr id="157" name="肘形连接符 156"/>
+          <p:cNvCxnSpPr>
+            <a:endCxn id="94" idx="6"/>
+          </p:cNvCxnSpPr>
+          <p:nvPr/>
+        </p:nvCxnSpPr>
+        <p:spPr>
+          <a:xfrm rot="5400000" flipH="1" flipV="1">
+            <a:off x="7079944" y="1437144"/>
+            <a:ext cx="1376257" cy="105223"/>
+          </a:xfrm>
+          <a:prstGeom prst="bentConnector4">
+            <a:avLst>
+              <a:gd name="adj1" fmla="val -1737"/>
+              <a:gd name="adj2" fmla="val 1210630"/>
+            </a:avLst>
+          </a:prstGeom>
+          <a:ln>
+            <a:tailEnd type="triangle"/>
+          </a:ln>
+        </p:spPr>
+        <p:style>
+          <a:lnRef idx="1">
+            <a:schemeClr val="accent1"/>
+          </a:lnRef>
+          <a:fillRef idx="0">
+            <a:schemeClr val="accent1"/>
+          </a:fillRef>
+          <a:effectRef idx="0">
+            <a:schemeClr val="accent1"/>
+          </a:effectRef>
+          <a:fontRef idx="minor">
+            <a:schemeClr val="tx1"/>
+          </a:fontRef>
+        </p:style>
+      </p:cxnSp>
+      <p:cxnSp>
+        <p:nvCxnSpPr>
+          <p:cNvPr id="185" name="直接箭头连接符 184"/>
+          <p:cNvCxnSpPr>
+            <a:stCxn id="94" idx="0"/>
+          </p:cNvCxnSpPr>
+          <p:nvPr/>
+        </p:nvCxnSpPr>
+        <p:spPr>
+          <a:xfrm flipV="1">
+            <a:off x="7712684" y="406857"/>
+            <a:ext cx="7648" cy="286769"/>
+          </a:xfrm>
+          <a:prstGeom prst="straightConnector1">
+            <a:avLst/>
+          </a:prstGeom>
+          <a:ln>
+            <a:tailEnd type="triangle"/>
+          </a:ln>
+        </p:spPr>
+        <p:style>
+          <a:lnRef idx="1">
+            <a:schemeClr val="accent1"/>
+          </a:lnRef>
+          <a:fillRef idx="0">
+            <a:schemeClr val="accent1"/>
+          </a:fillRef>
+          <a:effectRef idx="0">
+            <a:schemeClr val="accent1"/>
+          </a:effectRef>
+          <a:fontRef idx="minor">
+            <a:schemeClr val="tx1"/>
+          </a:fontRef>
+        </p:style>
+      </p:cxnSp>
+      <p:cxnSp>
+        <p:nvCxnSpPr>
+          <p:cNvPr id="193" name="直接连接符 192"/>
+          <p:cNvCxnSpPr/>
+          <p:nvPr/>
+        </p:nvCxnSpPr>
+        <p:spPr>
+          <a:xfrm flipV="1">
+            <a:off x="4212049" y="262255"/>
+            <a:ext cx="1678612" cy="3127259"/>
+          </a:xfrm>
+          <a:prstGeom prst="line">
+            <a:avLst/>
+          </a:prstGeom>
+          <a:ln>
+            <a:solidFill>
+              <a:schemeClr val="tx1"/>
+            </a:solidFill>
+            <a:prstDash val="sysDot"/>
+          </a:ln>
+        </p:spPr>
+        <p:style>
+          <a:lnRef idx="1">
+            <a:schemeClr val="accent1"/>
+          </a:lnRef>
+          <a:fillRef idx="0">
+            <a:schemeClr val="accent1"/>
+          </a:fillRef>
+          <a:effectRef idx="0">
+            <a:schemeClr val="accent1"/>
+          </a:effectRef>
+          <a:fontRef idx="minor">
+            <a:schemeClr val="tx1"/>
+          </a:fontRef>
+        </p:style>
+      </p:cxnSp>
+      <p:cxnSp>
+        <p:nvCxnSpPr>
+          <p:cNvPr id="195" name="直接连接符 194"/>
+          <p:cNvCxnSpPr/>
+          <p:nvPr/>
+        </p:nvCxnSpPr>
+        <p:spPr>
+          <a:xfrm>
+            <a:off x="4212049" y="3984575"/>
+            <a:ext cx="1678612" cy="2637635"/>
+          </a:xfrm>
+          <a:prstGeom prst="line">
+            <a:avLst/>
+          </a:prstGeom>
+          <a:ln>
+            <a:solidFill>
+              <a:schemeClr val="tx1"/>
+            </a:solidFill>
+            <a:prstDash val="sysDot"/>
+          </a:ln>
+        </p:spPr>
+        <p:style>
+          <a:lnRef idx="1">
+            <a:schemeClr val="accent1"/>
+          </a:lnRef>
+          <a:fillRef idx="0">
+            <a:schemeClr val="accent1"/>
+          </a:fillRef>
+          <a:effectRef idx="0">
+            <a:schemeClr val="accent1"/>
+          </a:effectRef>
+          <a:fontRef idx="minor">
+            <a:schemeClr val="tx1"/>
+          </a:fontRef>
+        </p:style>
+      </p:cxnSp>
+      <p:cxnSp>
+        <p:nvCxnSpPr>
+          <p:cNvPr id="202" name="直接箭头连接符 201"/>
+          <p:cNvCxnSpPr>
+            <a:endCxn id="2" idx="2"/>
+          </p:cNvCxnSpPr>
+          <p:nvPr/>
+        </p:nvCxnSpPr>
+        <p:spPr>
+          <a:xfrm flipV="1">
+            <a:off x="3466877" y="4881868"/>
+            <a:ext cx="0" cy="325399"/>
+          </a:xfrm>
+          <a:prstGeom prst="straightConnector1">
+            <a:avLst/>
+          </a:prstGeom>
+          <a:ln>
+            <a:tailEnd type="triangle"/>
+          </a:ln>
+        </p:spPr>
+        <p:style>
+          <a:lnRef idx="1">
+            <a:schemeClr val="accent1"/>
+          </a:lnRef>
+          <a:fillRef idx="0">
+            <a:schemeClr val="accent1"/>
+          </a:fillRef>
+          <a:effectRef idx="0">
+            <a:schemeClr val="accent1"/>
+          </a:effectRef>
+          <a:fontRef idx="minor">
+            <a:schemeClr val="tx1"/>
+          </a:fontRef>
+        </p:style>
+      </p:cxnSp>
+      <p:cxnSp>
+        <p:nvCxnSpPr>
+          <p:cNvPr id="205" name="直接箭头连接符 204"/>
+          <p:cNvCxnSpPr>
+            <a:stCxn id="2" idx="0"/>
+            <a:endCxn id="6" idx="2"/>
+          </p:cNvCxnSpPr>
+          <p:nvPr/>
+        </p:nvCxnSpPr>
+        <p:spPr>
+          <a:xfrm flipV="1">
+            <a:off x="3466877" y="3988423"/>
+            <a:ext cx="0" cy="195580"/>
+          </a:xfrm>
+          <a:prstGeom prst="straightConnector1">
+            <a:avLst/>
+          </a:prstGeom>
+          <a:ln>
+            <a:tailEnd type="triangle"/>
+          </a:ln>
+        </p:spPr>
+        <p:style>
+          <a:lnRef idx="1">
+            <a:schemeClr val="accent1"/>
+          </a:lnRef>
+          <a:fillRef idx="0">
+            <a:schemeClr val="accent1"/>
+          </a:fillRef>
+          <a:effectRef idx="0">
+            <a:schemeClr val="accent1"/>
+          </a:effectRef>
+          <a:fontRef idx="minor">
+            <a:schemeClr val="tx1"/>
+          </a:fontRef>
+        </p:style>
+      </p:cxnSp>
+      <p:cxnSp>
+        <p:nvCxnSpPr>
+          <p:cNvPr id="207" name="直接箭头连接符 206"/>
+          <p:cNvCxnSpPr>
+            <a:stCxn id="6" idx="0"/>
+            <a:endCxn id="96" idx="2"/>
+          </p:cNvCxnSpPr>
+          <p:nvPr/>
+        </p:nvCxnSpPr>
+        <p:spPr>
+          <a:xfrm flipV="1">
+            <a:off x="3466877" y="3082477"/>
+            <a:ext cx="4310" cy="208081"/>
+          </a:xfrm>
+          <a:prstGeom prst="straightConnector1">
+            <a:avLst/>
+          </a:prstGeom>
+          <a:ln>
+            <a:tailEnd type="triangle"/>
+          </a:ln>
+        </p:spPr>
+        <p:style>
+          <a:lnRef idx="1">
+            <a:schemeClr val="accent1"/>
+          </a:lnRef>
+          <a:fillRef idx="0">
+            <a:schemeClr val="accent1"/>
+          </a:fillRef>
+          <a:effectRef idx="0">
+            <a:schemeClr val="accent1"/>
+          </a:effectRef>
+          <a:fontRef idx="minor">
+            <a:schemeClr val="tx1"/>
+          </a:fontRef>
+        </p:style>
+      </p:cxnSp>
+      <p:cxnSp>
+        <p:nvCxnSpPr>
+          <p:cNvPr id="209" name="直接箭头连接符 208"/>
+          <p:cNvCxnSpPr>
+            <a:stCxn id="96" idx="0"/>
+            <a:endCxn id="99" idx="2"/>
+          </p:cNvCxnSpPr>
+          <p:nvPr/>
+        </p:nvCxnSpPr>
+        <p:spPr>
+          <a:xfrm flipV="1">
+            <a:off x="3471187" y="2390794"/>
+            <a:ext cx="10895" cy="290998"/>
+          </a:xfrm>
+          <a:prstGeom prst="straightConnector1">
+            <a:avLst/>
+          </a:prstGeom>
+          <a:ln>
+            <a:tailEnd type="triangle"/>
+          </a:ln>
+        </p:spPr>
+        <p:style>
+          <a:lnRef idx="1">
+            <a:schemeClr val="accent1"/>
+          </a:lnRef>
+          <a:fillRef idx="0">
+            <a:schemeClr val="accent1"/>
+          </a:fillRef>
+          <a:effectRef idx="0">
+            <a:schemeClr val="accent1"/>
+          </a:effectRef>
+          <a:fontRef idx="minor">
+            <a:schemeClr val="tx1"/>
+          </a:fontRef>
+        </p:style>
+      </p:cxnSp>
+      <p:cxnSp>
+        <p:nvCxnSpPr>
+          <p:cNvPr id="211" name="直接箭头连接符 210"/>
+          <p:cNvCxnSpPr>
+            <a:stCxn id="99" idx="0"/>
+          </p:cNvCxnSpPr>
+          <p:nvPr/>
+        </p:nvCxnSpPr>
+        <p:spPr>
+          <a:xfrm flipV="1">
+            <a:off x="3482082" y="1728412"/>
+            <a:ext cx="0" cy="261697"/>
+          </a:xfrm>
+          <a:prstGeom prst="straightConnector1">
+            <a:avLst/>
+          </a:prstGeom>
+          <a:ln>
+            <a:tailEnd type="triangle"/>
+          </a:ln>
+        </p:spPr>
+        <p:style>
+          <a:lnRef idx="1">
+            <a:schemeClr val="accent1"/>
+          </a:lnRef>
+          <a:fillRef idx="0">
+            <a:schemeClr val="accent1"/>
+          </a:fillRef>
+          <a:effectRef idx="0">
+            <a:schemeClr val="accent1"/>
+          </a:effectRef>
+          <a:fontRef idx="minor">
+            <a:schemeClr val="tx1"/>
+          </a:fontRef>
+        </p:style>
+      </p:cxnSp>
+      <p:sp>
+        <p:nvSpPr>
+          <p:cNvPr id="213" name="文本框 212"/>
+          <p:cNvSpPr txBox="1"/>
+          <p:nvPr/>
+        </p:nvSpPr>
+        <p:spPr>
+          <a:xfrm>
+            <a:off x="5890661" y="2817185"/>
+            <a:ext cx="1103230" cy="369332"/>
+          </a:xfrm>
+          <a:prstGeom prst="rect">
+            <a:avLst/>
+          </a:prstGeom>
+          <a:noFill/>
+        </p:spPr>
+        <p:txBody>
+          <a:bodyPr wrap="square" rtlCol="0">
+            <a:spAutoFit/>
+          </a:bodyPr>
+          <a:lstStyle/>
+          <a:p>
+            <a:r>
+              <a:rPr lang="en-US" altLang="zh-CN" dirty="0" smtClean="0"/>
+              <a:t>Attention</a:t>
+            </a:r>
+            <a:endParaRPr lang="zh-CN" altLang="en-US" dirty="0"/>
+          </a:p>
+        </p:txBody>
+      </p:sp>
+      <p:sp>
+        <p:nvSpPr>
+          <p:cNvPr id="214" name="文本框 213"/>
+          <p:cNvSpPr txBox="1"/>
+          <p:nvPr/>
+        </p:nvSpPr>
+        <p:spPr>
+          <a:xfrm>
+            <a:off x="5870044" y="342330"/>
+            <a:ext cx="1436083" cy="369332"/>
+          </a:xfrm>
+          <a:prstGeom prst="rect">
+            <a:avLst/>
+          </a:prstGeom>
+          <a:noFill/>
+        </p:spPr>
+        <p:txBody>
+          <a:bodyPr wrap="square" rtlCol="0">
+            <a:spAutoFit/>
+          </a:bodyPr>
+          <a:lstStyle/>
+          <a:p>
+            <a:r>
+              <a:rPr lang="en-US" altLang="zh-CN" dirty="0" err="1" smtClean="0"/>
+              <a:t>FeedForward</a:t>
+            </a:r>
+            <a:endParaRPr lang="zh-CN" altLang="en-US" dirty="0"/>
+          </a:p>
+        </p:txBody>
+      </p:sp>
+      <p:grpSp>
+        <p:nvGrpSpPr>
+          <p:cNvPr id="9" name="组合 8"/>
+          <p:cNvGrpSpPr/>
+          <p:nvPr/>
+        </p:nvGrpSpPr>
+        <p:grpSpPr>
+          <a:xfrm>
+            <a:off x="7203815" y="4795835"/>
+            <a:ext cx="508847" cy="288000"/>
+            <a:chOff x="9263196" y="4109565"/>
+            <a:chExt cx="508847" cy="288000"/>
+          </a:xfrm>
+        </p:grpSpPr>
+        <p:sp>
+          <p:nvSpPr>
+            <p:cNvPr id="107" name="Rounded Rectangle 31"/>
+            <p:cNvSpPr/>
+            <p:nvPr/>
+          </p:nvSpPr>
+          <p:spPr>
+            <a:xfrm>
+              <a:off x="9263196" y="4109565"/>
+              <a:ext cx="485447" cy="288000"/>
+            </a:xfrm>
+            <a:prstGeom prst="roundRect">
+              <a:avLst/>
+            </a:prstGeom>
+            <a:noFill/>
+            <a:ln>
+              <a:solidFill>
+                <a:schemeClr val="tx1"/>
+              </a:solidFill>
+            </a:ln>
+          </p:spPr>
+          <p:style>
+            <a:lnRef idx="2">
+              <a:schemeClr val="accent1">
+                <a:shade val="50000"/>
+              </a:schemeClr>
+            </a:lnRef>
+            <a:fillRef idx="1">
+              <a:schemeClr val="accent1"/>
+            </a:fillRef>
+            <a:effectRef idx="0">
+              <a:schemeClr val="accent1"/>
+            </a:effectRef>
+            <a:fontRef idx="minor">
+              <a:schemeClr val="lt1"/>
+            </a:fontRef>
+          </p:style>
+          <p:txBody>
+            <a:bodyPr rtlCol="0" anchor="ctr"/>
+            <a:lstStyle/>
+            <a:p>
+              <a:pPr algn="ctr"/>
+              <a:endParaRPr lang="en-US"/>
+            </a:p>
+          </p:txBody>
+        </p:sp>
+        <p:sp>
+          <p:nvSpPr>
+            <p:cNvPr id="109" name="Text Box 32"/>
+            <p:cNvSpPr txBox="1"/>
+            <p:nvPr/>
+          </p:nvSpPr>
+          <p:spPr>
+            <a:xfrm>
+              <a:off x="9263197" y="4116747"/>
+              <a:ext cx="508846" cy="276999"/>
+            </a:xfrm>
+            <a:prstGeom prst="rect">
+              <a:avLst/>
+            </a:prstGeom>
+            <a:noFill/>
+            <a:ln>
+              <a:noFill/>
+            </a:ln>
+          </p:spPr>
+          <p:txBody>
+            <a:bodyPr wrap="square" rtlCol="0">
+              <a:spAutoFit/>
+            </a:bodyPr>
+            <a:lstStyle/>
+            <a:p>
+              <a:pPr algn="ctr"/>
+              <a:r>
+                <a:rPr lang="en-US" sz="1200" dirty="0" err="1" smtClean="0"/>
+                <a:t>RoPE</a:t>
+              </a:r>
+              <a:endParaRPr lang="en-US" sz="1200" dirty="0"/>
+            </a:p>
+          </p:txBody>
+        </p:sp>
+      </p:grpSp>
+      <p:grpSp>
+        <p:nvGrpSpPr>
+          <p:cNvPr id="116" name="组合 115"/>
+          <p:cNvGrpSpPr/>
+          <p:nvPr/>
+        </p:nvGrpSpPr>
+        <p:grpSpPr>
+          <a:xfrm>
+            <a:off x="7749637" y="4795835"/>
+            <a:ext cx="508847" cy="288000"/>
+            <a:chOff x="9263196" y="4109565"/>
+            <a:chExt cx="508847" cy="288000"/>
+          </a:xfrm>
+        </p:grpSpPr>
+        <p:sp>
+          <p:nvSpPr>
+            <p:cNvPr id="117" name="Rounded Rectangle 31"/>
+            <p:cNvSpPr/>
+            <p:nvPr/>
+          </p:nvSpPr>
+          <p:spPr>
+            <a:xfrm>
+              <a:off x="9263196" y="4109565"/>
+              <a:ext cx="485447" cy="288000"/>
+            </a:xfrm>
+            <a:prstGeom prst="roundRect">
+              <a:avLst/>
+            </a:prstGeom>
+            <a:noFill/>
+            <a:ln>
+              <a:solidFill>
+                <a:schemeClr val="tx1"/>
+              </a:solidFill>
+            </a:ln>
+          </p:spPr>
+          <p:style>
+            <a:lnRef idx="2">
+              <a:schemeClr val="accent1">
+                <a:shade val="50000"/>
+              </a:schemeClr>
+            </a:lnRef>
+            <a:fillRef idx="1">
+              <a:schemeClr val="accent1"/>
+            </a:fillRef>
+            <a:effectRef idx="0">
+              <a:schemeClr val="accent1"/>
+            </a:effectRef>
+            <a:fontRef idx="minor">
+              <a:schemeClr val="lt1"/>
+            </a:fontRef>
+          </p:style>
+          <p:txBody>
+            <a:bodyPr rtlCol="0" anchor="ctr"/>
+            <a:lstStyle/>
+            <a:p>
+              <a:pPr algn="ctr"/>
+              <a:endParaRPr lang="en-US"/>
+            </a:p>
+          </p:txBody>
+        </p:sp>
+        <p:sp>
+          <p:nvSpPr>
+            <p:cNvPr id="119" name="Text Box 32"/>
+            <p:cNvSpPr txBox="1"/>
+            <p:nvPr/>
+          </p:nvSpPr>
+          <p:spPr>
+            <a:xfrm>
+              <a:off x="9263197" y="4116747"/>
+              <a:ext cx="508846" cy="276999"/>
+            </a:xfrm>
+            <a:prstGeom prst="rect">
+              <a:avLst/>
+            </a:prstGeom>
+            <a:noFill/>
+            <a:ln>
+              <a:noFill/>
+            </a:ln>
+          </p:spPr>
+          <p:txBody>
+            <a:bodyPr wrap="square" rtlCol="0">
+              <a:spAutoFit/>
+            </a:bodyPr>
+            <a:lstStyle/>
+            <a:p>
+              <a:pPr algn="ctr"/>
+              <a:r>
+                <a:rPr lang="en-US" sz="1200" dirty="0" err="1" smtClean="0"/>
+                <a:t>RoPE</a:t>
+              </a:r>
+              <a:endParaRPr lang="en-US" sz="1200" dirty="0"/>
+            </a:p>
+          </p:txBody>
+        </p:sp>
+      </p:grpSp>
+      <p:cxnSp>
+        <p:nvCxnSpPr>
+          <p:cNvPr id="103" name="直接箭头连接符 102"/>
+          <p:cNvCxnSpPr>
+            <a:stCxn id="38" idx="0"/>
+            <a:endCxn id="117" idx="2"/>
+          </p:cNvCxnSpPr>
+          <p:nvPr/>
+        </p:nvCxnSpPr>
+        <p:spPr>
+          <a:xfrm flipV="1">
+            <a:off x="7951161" y="5083835"/>
+            <a:ext cx="41200" cy="106624"/>
+          </a:xfrm>
+          <a:prstGeom prst="straightConnector1">
+            <a:avLst/>
+          </a:prstGeom>
+          <a:ln>
+            <a:tailEnd type="triangle"/>
+          </a:ln>
+        </p:spPr>
+        <p:style>
+          <a:lnRef idx="1">
+            <a:schemeClr val="accent1"/>
+          </a:lnRef>
+          <a:fillRef idx="0">
+            <a:schemeClr val="accent1"/>
+          </a:fillRef>
+          <a:effectRef idx="0">
+            <a:schemeClr val="accent1"/>
+          </a:effectRef>
+          <a:fontRef idx="minor">
+            <a:schemeClr val="tx1"/>
+          </a:fontRef>
+        </p:style>
+      </p:cxnSp>
+      <p:cxnSp>
+        <p:nvCxnSpPr>
+          <p:cNvPr id="128" name="直接箭头连接符 127"/>
+          <p:cNvCxnSpPr>
+            <a:stCxn id="35" idx="0"/>
+            <a:endCxn id="107" idx="2"/>
+          </p:cNvCxnSpPr>
+          <p:nvPr/>
+        </p:nvCxnSpPr>
+        <p:spPr>
+          <a:xfrm flipH="1" flipV="1">
+            <a:off x="7446539" y="5083835"/>
+            <a:ext cx="70812" cy="106624"/>
+          </a:xfrm>
+          <a:prstGeom prst="straightConnector1">
+            <a:avLst/>
+          </a:prstGeom>
+          <a:ln>
+            <a:tailEnd type="triangle"/>
+          </a:ln>
+        </p:spPr>
+        <p:style>
+          <a:lnRef idx="1">
+            <a:schemeClr val="accent1"/>
+          </a:lnRef>
+          <a:fillRef idx="0">
+            <a:schemeClr val="accent1"/>
+          </a:fillRef>
+          <a:effectRef idx="0">
+            <a:schemeClr val="accent1"/>
+          </a:effectRef>
+          <a:fontRef idx="minor">
+            <a:schemeClr val="tx1"/>
+          </a:fontRef>
+        </p:style>
+      </p:cxnSp>
+      <p:cxnSp>
+        <p:nvCxnSpPr>
+          <p:cNvPr id="132" name="肘形连接符 131"/>
+          <p:cNvCxnSpPr>
+            <a:stCxn id="117" idx="0"/>
+            <a:endCxn id="48" idx="6"/>
+          </p:cNvCxnSpPr>
+          <p:nvPr/>
+        </p:nvCxnSpPr>
+        <p:spPr>
+          <a:xfrm rot="16200000" flipV="1">
+            <a:off x="7811137" y="4614611"/>
+            <a:ext cx="204529" cy="157920"/>
+          </a:xfrm>
+          <a:prstGeom prst="bentConnector2">
+            <a:avLst/>
+          </a:prstGeom>
+          <a:ln>
+            <a:tailEnd type="triangle"/>
+          </a:ln>
+        </p:spPr>
+        <p:style>
+          <a:lnRef idx="1">
+            <a:schemeClr val="accent1"/>
+          </a:lnRef>
+          <a:fillRef idx="0">
+            <a:schemeClr val="accent1"/>
+          </a:fillRef>
+          <a:effectRef idx="0">
+            <a:schemeClr val="accent1"/>
+          </a:effectRef>
+          <a:fontRef idx="minor">
+            <a:schemeClr val="tx1"/>
+          </a:fontRef>
+        </p:style>
+      </p:cxnSp>
+      <p:cxnSp>
+        <p:nvCxnSpPr>
+          <p:cNvPr id="139" name="肘形连接符 138"/>
+          <p:cNvCxnSpPr>
+            <a:stCxn id="107" idx="0"/>
+            <a:endCxn id="48" idx="2"/>
+          </p:cNvCxnSpPr>
+          <p:nvPr/>
+        </p:nvCxnSpPr>
+        <p:spPr>
+          <a:xfrm rot="5400000" flipH="1" flipV="1">
+            <a:off x="7430226" y="4607620"/>
+            <a:ext cx="204529" cy="171902"/>
+          </a:xfrm>
+          <a:prstGeom prst="bentConnector2">
+            <a:avLst/>
+          </a:prstGeom>
+          <a:ln>
+            <a:tailEnd type="triangle"/>
+          </a:ln>
+        </p:spPr>
+        <p:style>
+          <a:lnRef idx="1">
+            <a:schemeClr val="accent1"/>
+          </a:lnRef>
+          <a:fillRef idx="0">
+            <a:schemeClr val="accent1"/>
+          </a:fillRef>
+          <a:effectRef idx="0">
+            <a:schemeClr val="accent1"/>
+          </a:effectRef>
+          <a:fontRef idx="minor">
+            <a:schemeClr val="tx1"/>
+          </a:fontRef>
+        </p:style>
+      </p:cxnSp>
+    </p:spTree>
+    <p:extLst>
+      <p:ext uri="{BB962C8B-B14F-4D97-AF65-F5344CB8AC3E}">
+        <p14:creationId xmlns:p14="http://schemas.microsoft.com/office/powerpoint/2010/main" val="2429531052"/>
+      </p:ext>
+    </p:extLst>
   </p:cSld>
   <p:clrMapOvr>
     <a:masterClrMapping/>

--- a/images/resources/大模型结构图.pptx
+++ b/images/resources/大模型结构图.pptx
@@ -5,10 +5,10 @@
     <p:sldMasterId id="2147483648" r:id="rId1"/>
   </p:sldMasterIdLst>
   <p:sldIdLst>
-    <p:sldId id="256" r:id="rId2"/>
-    <p:sldId id="257" r:id="rId3"/>
-    <p:sldId id="258" r:id="rId4"/>
-    <p:sldId id="259" r:id="rId5"/>
+    <p:sldId id="256" r:id="rId3"/>
+    <p:sldId id="257" r:id="rId4"/>
+    <p:sldId id="258" r:id="rId5"/>
+    <p:sldId id="259" r:id="rId6"/>
   </p:sldIdLst>
   <p:sldSz cx="12192000" cy="6858000"/>
   <p:notesSz cx="6858000" cy="9144000"/>
@@ -107,11 +107,6 @@
       </a:defRPr>
     </a:lvl9pPr>
   </p:defaultTextStyle>
-  <p:extLst>
-    <p:ext uri="{EFAFB233-063F-42B5-8137-9DF3F51BA10A}">
-      <p15:sldGuideLst xmlns:p15="http://schemas.microsoft.com/office/powerpoint/2012/main"/>
-    </p:ext>
-  </p:extLst>
 </p:presentation>
 </file>
 
@@ -246,7 +241,6 @@
           <a:p>
             <a:fld id="{D997B5FA-0921-464F-AAE1-844C04324D75}" type="datetimeFigureOut">
               <a:rPr lang="zh-CN" altLang="en-US" smtClean="0"/>
-              <a:t>2023/9/18</a:t>
             </a:fld>
             <a:endParaRPr lang="zh-CN" altLang="en-US"/>
           </a:p>
@@ -288,7 +282,6 @@
           <a:p>
             <a:fld id="{565CE74E-AB26-4998-AD42-012C4C1AD076}" type="slidenum">
               <a:rPr lang="zh-CN" altLang="en-US" smtClean="0"/>
-              <a:t>‹#›</a:t>
             </a:fld>
             <a:endParaRPr lang="zh-CN" altLang="en-US"/>
           </a:p>
@@ -362,6 +355,7 @@
               <a:rPr lang="zh-CN" altLang="en-US" smtClean="0"/>
               <a:t>单击此处编辑母版文本样式</a:t>
             </a:r>
+            <a:endParaRPr lang="zh-CN" altLang="en-US" smtClean="0"/>
           </a:p>
           <a:p>
             <a:pPr lvl="1"/>
@@ -369,6 +363,7 @@
               <a:rPr lang="zh-CN" altLang="en-US" smtClean="0"/>
               <a:t>第二级</a:t>
             </a:r>
+            <a:endParaRPr lang="zh-CN" altLang="en-US" smtClean="0"/>
           </a:p>
           <a:p>
             <a:pPr lvl="2"/>
@@ -376,6 +371,7 @@
               <a:rPr lang="zh-CN" altLang="en-US" smtClean="0"/>
               <a:t>第三级</a:t>
             </a:r>
+            <a:endParaRPr lang="zh-CN" altLang="en-US" smtClean="0"/>
           </a:p>
           <a:p>
             <a:pPr lvl="3"/>
@@ -383,6 +379,7 @@
               <a:rPr lang="zh-CN" altLang="en-US" smtClean="0"/>
               <a:t>第四级</a:t>
             </a:r>
+            <a:endParaRPr lang="zh-CN" altLang="en-US" smtClean="0"/>
           </a:p>
           <a:p>
             <a:pPr lvl="4"/>
@@ -411,7 +408,6 @@
           <a:p>
             <a:fld id="{D997B5FA-0921-464F-AAE1-844C04324D75}" type="datetimeFigureOut">
               <a:rPr lang="zh-CN" altLang="en-US" smtClean="0"/>
-              <a:t>2023/9/18</a:t>
             </a:fld>
             <a:endParaRPr lang="zh-CN" altLang="en-US"/>
           </a:p>
@@ -453,7 +449,6 @@
           <a:p>
             <a:fld id="{565CE74E-AB26-4998-AD42-012C4C1AD076}" type="slidenum">
               <a:rPr lang="zh-CN" altLang="en-US" smtClean="0"/>
-              <a:t>‹#›</a:t>
             </a:fld>
             <a:endParaRPr lang="zh-CN" altLang="en-US"/>
           </a:p>
@@ -537,6 +532,7 @@
               <a:rPr lang="zh-CN" altLang="en-US" smtClean="0"/>
               <a:t>单击此处编辑母版文本样式</a:t>
             </a:r>
+            <a:endParaRPr lang="zh-CN" altLang="en-US" smtClean="0"/>
           </a:p>
           <a:p>
             <a:pPr lvl="1"/>
@@ -544,6 +540,7 @@
               <a:rPr lang="zh-CN" altLang="en-US" smtClean="0"/>
               <a:t>第二级</a:t>
             </a:r>
+            <a:endParaRPr lang="zh-CN" altLang="en-US" smtClean="0"/>
           </a:p>
           <a:p>
             <a:pPr lvl="2"/>
@@ -551,6 +548,7 @@
               <a:rPr lang="zh-CN" altLang="en-US" smtClean="0"/>
               <a:t>第三级</a:t>
             </a:r>
+            <a:endParaRPr lang="zh-CN" altLang="en-US" smtClean="0"/>
           </a:p>
           <a:p>
             <a:pPr lvl="3"/>
@@ -558,6 +556,7 @@
               <a:rPr lang="zh-CN" altLang="en-US" smtClean="0"/>
               <a:t>第四级</a:t>
             </a:r>
+            <a:endParaRPr lang="zh-CN" altLang="en-US" smtClean="0"/>
           </a:p>
           <a:p>
             <a:pPr lvl="4"/>
@@ -586,7 +585,6 @@
           <a:p>
             <a:fld id="{D997B5FA-0921-464F-AAE1-844C04324D75}" type="datetimeFigureOut">
               <a:rPr lang="zh-CN" altLang="en-US" smtClean="0"/>
-              <a:t>2023/9/18</a:t>
             </a:fld>
             <a:endParaRPr lang="zh-CN" altLang="en-US"/>
           </a:p>
@@ -628,7 +626,6 @@
           <a:p>
             <a:fld id="{565CE74E-AB26-4998-AD42-012C4C1AD076}" type="slidenum">
               <a:rPr lang="zh-CN" altLang="en-US" smtClean="0"/>
-              <a:t>‹#›</a:t>
             </a:fld>
             <a:endParaRPr lang="zh-CN" altLang="en-US"/>
           </a:p>
@@ -702,6 +699,7 @@
               <a:rPr lang="zh-CN" altLang="en-US" smtClean="0"/>
               <a:t>单击此处编辑母版文本样式</a:t>
             </a:r>
+            <a:endParaRPr lang="zh-CN" altLang="en-US" smtClean="0"/>
           </a:p>
           <a:p>
             <a:pPr lvl="1"/>
@@ -709,6 +707,7 @@
               <a:rPr lang="zh-CN" altLang="en-US" smtClean="0"/>
               <a:t>第二级</a:t>
             </a:r>
+            <a:endParaRPr lang="zh-CN" altLang="en-US" smtClean="0"/>
           </a:p>
           <a:p>
             <a:pPr lvl="2"/>
@@ -716,6 +715,7 @@
               <a:rPr lang="zh-CN" altLang="en-US" smtClean="0"/>
               <a:t>第三级</a:t>
             </a:r>
+            <a:endParaRPr lang="zh-CN" altLang="en-US" smtClean="0"/>
           </a:p>
           <a:p>
             <a:pPr lvl="3"/>
@@ -723,6 +723,7 @@
               <a:rPr lang="zh-CN" altLang="en-US" smtClean="0"/>
               <a:t>第四级</a:t>
             </a:r>
+            <a:endParaRPr lang="zh-CN" altLang="en-US" smtClean="0"/>
           </a:p>
           <a:p>
             <a:pPr lvl="4"/>
@@ -751,7 +752,6 @@
           <a:p>
             <a:fld id="{D997B5FA-0921-464F-AAE1-844C04324D75}" type="datetimeFigureOut">
               <a:rPr lang="zh-CN" altLang="en-US" smtClean="0"/>
-              <a:t>2023/9/18</a:t>
             </a:fld>
             <a:endParaRPr lang="zh-CN" altLang="en-US"/>
           </a:p>
@@ -793,7 +793,6 @@
           <a:p>
             <a:fld id="{565CE74E-AB26-4998-AD42-012C4C1AD076}" type="slidenum">
               <a:rPr lang="zh-CN" altLang="en-US" smtClean="0"/>
-              <a:t>‹#›</a:t>
             </a:fld>
             <a:endParaRPr lang="zh-CN" altLang="en-US"/>
           </a:p>
@@ -972,6 +971,7 @@
               <a:rPr lang="zh-CN" altLang="en-US" smtClean="0"/>
               <a:t>单击此处编辑母版文本样式</a:t>
             </a:r>
+            <a:endParaRPr lang="zh-CN" altLang="en-US" smtClean="0"/>
           </a:p>
         </p:txBody>
       </p:sp>
@@ -992,7 +992,6 @@
           <a:p>
             <a:fld id="{D997B5FA-0921-464F-AAE1-844C04324D75}" type="datetimeFigureOut">
               <a:rPr lang="zh-CN" altLang="en-US" smtClean="0"/>
-              <a:t>2023/9/18</a:t>
             </a:fld>
             <a:endParaRPr lang="zh-CN" altLang="en-US"/>
           </a:p>
@@ -1034,7 +1033,6 @@
           <a:p>
             <a:fld id="{565CE74E-AB26-4998-AD42-012C4C1AD076}" type="slidenum">
               <a:rPr lang="zh-CN" altLang="en-US" smtClean="0"/>
-              <a:t>‹#›</a:t>
             </a:fld>
             <a:endParaRPr lang="zh-CN" altLang="en-US"/>
           </a:p>
@@ -1113,6 +1111,7 @@
               <a:rPr lang="zh-CN" altLang="en-US" smtClean="0"/>
               <a:t>单击此处编辑母版文本样式</a:t>
             </a:r>
+            <a:endParaRPr lang="zh-CN" altLang="en-US" smtClean="0"/>
           </a:p>
           <a:p>
             <a:pPr lvl="1"/>
@@ -1120,6 +1119,7 @@
               <a:rPr lang="zh-CN" altLang="en-US" smtClean="0"/>
               <a:t>第二级</a:t>
             </a:r>
+            <a:endParaRPr lang="zh-CN" altLang="en-US" smtClean="0"/>
           </a:p>
           <a:p>
             <a:pPr lvl="2"/>
@@ -1127,6 +1127,7 @@
               <a:rPr lang="zh-CN" altLang="en-US" smtClean="0"/>
               <a:t>第三级</a:t>
             </a:r>
+            <a:endParaRPr lang="zh-CN" altLang="en-US" smtClean="0"/>
           </a:p>
           <a:p>
             <a:pPr lvl="3"/>
@@ -1134,6 +1135,7 @@
               <a:rPr lang="zh-CN" altLang="en-US" smtClean="0"/>
               <a:t>第四级</a:t>
             </a:r>
+            <a:endParaRPr lang="zh-CN" altLang="en-US" smtClean="0"/>
           </a:p>
           <a:p>
             <a:pPr lvl="4"/>
@@ -1170,6 +1172,7 @@
               <a:rPr lang="zh-CN" altLang="en-US" smtClean="0"/>
               <a:t>单击此处编辑母版文本样式</a:t>
             </a:r>
+            <a:endParaRPr lang="zh-CN" altLang="en-US" smtClean="0"/>
           </a:p>
           <a:p>
             <a:pPr lvl="1"/>
@@ -1177,6 +1180,7 @@
               <a:rPr lang="zh-CN" altLang="en-US" smtClean="0"/>
               <a:t>第二级</a:t>
             </a:r>
+            <a:endParaRPr lang="zh-CN" altLang="en-US" smtClean="0"/>
           </a:p>
           <a:p>
             <a:pPr lvl="2"/>
@@ -1184,6 +1188,7 @@
               <a:rPr lang="zh-CN" altLang="en-US" smtClean="0"/>
               <a:t>第三级</a:t>
             </a:r>
+            <a:endParaRPr lang="zh-CN" altLang="en-US" smtClean="0"/>
           </a:p>
           <a:p>
             <a:pPr lvl="3"/>
@@ -1191,6 +1196,7 @@
               <a:rPr lang="zh-CN" altLang="en-US" smtClean="0"/>
               <a:t>第四级</a:t>
             </a:r>
+            <a:endParaRPr lang="zh-CN" altLang="en-US" smtClean="0"/>
           </a:p>
           <a:p>
             <a:pPr lvl="4"/>
@@ -1219,7 +1225,6 @@
           <a:p>
             <a:fld id="{D997B5FA-0921-464F-AAE1-844C04324D75}" type="datetimeFigureOut">
               <a:rPr lang="zh-CN" altLang="en-US" smtClean="0"/>
-              <a:t>2023/9/18</a:t>
             </a:fld>
             <a:endParaRPr lang="zh-CN" altLang="en-US"/>
           </a:p>
@@ -1261,7 +1266,6 @@
           <a:p>
             <a:fld id="{565CE74E-AB26-4998-AD42-012C4C1AD076}" type="slidenum">
               <a:rPr lang="zh-CN" altLang="en-US" smtClean="0"/>
-              <a:t>‹#›</a:t>
             </a:fld>
             <a:endParaRPr lang="zh-CN" altLang="en-US"/>
           </a:p>
@@ -1382,6 +1386,7 @@
               <a:rPr lang="zh-CN" altLang="en-US" smtClean="0"/>
               <a:t>单击此处编辑母版文本样式</a:t>
             </a:r>
+            <a:endParaRPr lang="zh-CN" altLang="en-US" smtClean="0"/>
           </a:p>
         </p:txBody>
       </p:sp>
@@ -1410,6 +1415,7 @@
               <a:rPr lang="zh-CN" altLang="en-US" smtClean="0"/>
               <a:t>单击此处编辑母版文本样式</a:t>
             </a:r>
+            <a:endParaRPr lang="zh-CN" altLang="en-US" smtClean="0"/>
           </a:p>
           <a:p>
             <a:pPr lvl="1"/>
@@ -1417,6 +1423,7 @@
               <a:rPr lang="zh-CN" altLang="en-US" smtClean="0"/>
               <a:t>第二级</a:t>
             </a:r>
+            <a:endParaRPr lang="zh-CN" altLang="en-US" smtClean="0"/>
           </a:p>
           <a:p>
             <a:pPr lvl="2"/>
@@ -1424,6 +1431,7 @@
               <a:rPr lang="zh-CN" altLang="en-US" smtClean="0"/>
               <a:t>第三级</a:t>
             </a:r>
+            <a:endParaRPr lang="zh-CN" altLang="en-US" smtClean="0"/>
           </a:p>
           <a:p>
             <a:pPr lvl="3"/>
@@ -1431,6 +1439,7 @@
               <a:rPr lang="zh-CN" altLang="en-US" smtClean="0"/>
               <a:t>第四级</a:t>
             </a:r>
+            <a:endParaRPr lang="zh-CN" altLang="en-US" smtClean="0"/>
           </a:p>
           <a:p>
             <a:pPr lvl="4"/>
@@ -1504,6 +1513,7 @@
               <a:rPr lang="zh-CN" altLang="en-US" smtClean="0"/>
               <a:t>单击此处编辑母版文本样式</a:t>
             </a:r>
+            <a:endParaRPr lang="zh-CN" altLang="en-US" smtClean="0"/>
           </a:p>
         </p:txBody>
       </p:sp>
@@ -1532,6 +1542,7 @@
               <a:rPr lang="zh-CN" altLang="en-US" smtClean="0"/>
               <a:t>单击此处编辑母版文本样式</a:t>
             </a:r>
+            <a:endParaRPr lang="zh-CN" altLang="en-US" smtClean="0"/>
           </a:p>
           <a:p>
             <a:pPr lvl="1"/>
@@ -1539,6 +1550,7 @@
               <a:rPr lang="zh-CN" altLang="en-US" smtClean="0"/>
               <a:t>第二级</a:t>
             </a:r>
+            <a:endParaRPr lang="zh-CN" altLang="en-US" smtClean="0"/>
           </a:p>
           <a:p>
             <a:pPr lvl="2"/>
@@ -1546,6 +1558,7 @@
               <a:rPr lang="zh-CN" altLang="en-US" smtClean="0"/>
               <a:t>第三级</a:t>
             </a:r>
+            <a:endParaRPr lang="zh-CN" altLang="en-US" smtClean="0"/>
           </a:p>
           <a:p>
             <a:pPr lvl="3"/>
@@ -1553,6 +1566,7 @@
               <a:rPr lang="zh-CN" altLang="en-US" smtClean="0"/>
               <a:t>第四级</a:t>
             </a:r>
+            <a:endParaRPr lang="zh-CN" altLang="en-US" smtClean="0"/>
           </a:p>
           <a:p>
             <a:pPr lvl="4"/>
@@ -1581,7 +1595,6 @@
           <a:p>
             <a:fld id="{D997B5FA-0921-464F-AAE1-844C04324D75}" type="datetimeFigureOut">
               <a:rPr lang="zh-CN" altLang="en-US" smtClean="0"/>
-              <a:t>2023/9/18</a:t>
             </a:fld>
             <a:endParaRPr lang="zh-CN" altLang="en-US"/>
           </a:p>
@@ -1623,7 +1636,6 @@
           <a:p>
             <a:fld id="{565CE74E-AB26-4998-AD42-012C4C1AD076}" type="slidenum">
               <a:rPr lang="zh-CN" altLang="en-US" smtClean="0"/>
-              <a:t>‹#›</a:t>
             </a:fld>
             <a:endParaRPr lang="zh-CN" altLang="en-US"/>
           </a:p>
@@ -1694,7 +1706,6 @@
           <a:p>
             <a:fld id="{D997B5FA-0921-464F-AAE1-844C04324D75}" type="datetimeFigureOut">
               <a:rPr lang="zh-CN" altLang="en-US" smtClean="0"/>
-              <a:t>2023/9/18</a:t>
             </a:fld>
             <a:endParaRPr lang="zh-CN" altLang="en-US"/>
           </a:p>
@@ -1736,7 +1747,6 @@
           <a:p>
             <a:fld id="{565CE74E-AB26-4998-AD42-012C4C1AD076}" type="slidenum">
               <a:rPr lang="zh-CN" altLang="en-US" smtClean="0"/>
-              <a:t>‹#›</a:t>
             </a:fld>
             <a:endParaRPr lang="zh-CN" altLang="en-US"/>
           </a:p>
@@ -1784,7 +1794,6 @@
           <a:p>
             <a:fld id="{D997B5FA-0921-464F-AAE1-844C04324D75}" type="datetimeFigureOut">
               <a:rPr lang="zh-CN" altLang="en-US" smtClean="0"/>
-              <a:t>2023/9/18</a:t>
             </a:fld>
             <a:endParaRPr lang="zh-CN" altLang="en-US"/>
           </a:p>
@@ -1826,7 +1835,6 @@
           <a:p>
             <a:fld id="{565CE74E-AB26-4998-AD42-012C4C1AD076}" type="slidenum">
               <a:rPr lang="zh-CN" altLang="en-US" smtClean="0"/>
-              <a:t>‹#›</a:t>
             </a:fld>
             <a:endParaRPr lang="zh-CN" altLang="en-US"/>
           </a:p>
@@ -1942,6 +1950,7 @@
               <a:rPr lang="zh-CN" altLang="en-US" smtClean="0"/>
               <a:t>单击此处编辑母版文本样式</a:t>
             </a:r>
+            <a:endParaRPr lang="zh-CN" altLang="en-US" smtClean="0"/>
           </a:p>
           <a:p>
             <a:pPr lvl="1"/>
@@ -1949,6 +1958,7 @@
               <a:rPr lang="zh-CN" altLang="en-US" smtClean="0"/>
               <a:t>第二级</a:t>
             </a:r>
+            <a:endParaRPr lang="zh-CN" altLang="en-US" smtClean="0"/>
           </a:p>
           <a:p>
             <a:pPr lvl="2"/>
@@ -1956,6 +1966,7 @@
               <a:rPr lang="zh-CN" altLang="en-US" smtClean="0"/>
               <a:t>第三级</a:t>
             </a:r>
+            <a:endParaRPr lang="zh-CN" altLang="en-US" smtClean="0"/>
           </a:p>
           <a:p>
             <a:pPr lvl="3"/>
@@ -1963,6 +1974,7 @@
               <a:rPr lang="zh-CN" altLang="en-US" smtClean="0"/>
               <a:t>第四级</a:t>
             </a:r>
+            <a:endParaRPr lang="zh-CN" altLang="en-US" smtClean="0"/>
           </a:p>
           <a:p>
             <a:pPr lvl="4"/>
@@ -2036,6 +2048,7 @@
               <a:rPr lang="zh-CN" altLang="en-US" smtClean="0"/>
               <a:t>单击此处编辑母版文本样式</a:t>
             </a:r>
+            <a:endParaRPr lang="zh-CN" altLang="en-US" smtClean="0"/>
           </a:p>
         </p:txBody>
       </p:sp>
@@ -2056,7 +2069,6 @@
           <a:p>
             <a:fld id="{D997B5FA-0921-464F-AAE1-844C04324D75}" type="datetimeFigureOut">
               <a:rPr lang="zh-CN" altLang="en-US" smtClean="0"/>
-              <a:t>2023/9/18</a:t>
             </a:fld>
             <a:endParaRPr lang="zh-CN" altLang="en-US"/>
           </a:p>
@@ -2098,7 +2110,6 @@
           <a:p>
             <a:fld id="{565CE74E-AB26-4998-AD42-012C4C1AD076}" type="slidenum">
               <a:rPr lang="zh-CN" altLang="en-US" smtClean="0"/>
-              <a:t>‹#›</a:t>
             </a:fld>
             <a:endParaRPr lang="zh-CN" altLang="en-US"/>
           </a:p>
@@ -2284,6 +2295,7 @@
               <a:rPr lang="zh-CN" altLang="en-US" smtClean="0"/>
               <a:t>单击此处编辑母版文本样式</a:t>
             </a:r>
+            <a:endParaRPr lang="zh-CN" altLang="en-US" smtClean="0"/>
           </a:p>
         </p:txBody>
       </p:sp>
@@ -2304,7 +2316,6 @@
           <a:p>
             <a:fld id="{D997B5FA-0921-464F-AAE1-844C04324D75}" type="datetimeFigureOut">
               <a:rPr lang="zh-CN" altLang="en-US" smtClean="0"/>
-              <a:t>2023/9/18</a:t>
             </a:fld>
             <a:endParaRPr lang="zh-CN" altLang="en-US"/>
           </a:p>
@@ -2346,7 +2357,6 @@
           <a:p>
             <a:fld id="{565CE74E-AB26-4998-AD42-012C4C1AD076}" type="slidenum">
               <a:rPr lang="zh-CN" altLang="en-US" smtClean="0"/>
-              <a:t>‹#›</a:t>
             </a:fld>
             <a:endParaRPr lang="zh-CN" altLang="en-US"/>
           </a:p>
@@ -2445,6 +2455,7 @@
               <a:rPr lang="zh-CN" altLang="en-US" smtClean="0"/>
               <a:t>单击此处编辑母版文本样式</a:t>
             </a:r>
+            <a:endParaRPr lang="zh-CN" altLang="en-US" smtClean="0"/>
           </a:p>
           <a:p>
             <a:pPr lvl="1"/>
@@ -2452,6 +2463,7 @@
               <a:rPr lang="zh-CN" altLang="en-US" smtClean="0"/>
               <a:t>第二级</a:t>
             </a:r>
+            <a:endParaRPr lang="zh-CN" altLang="en-US" smtClean="0"/>
           </a:p>
           <a:p>
             <a:pPr lvl="2"/>
@@ -2459,6 +2471,7 @@
               <a:rPr lang="zh-CN" altLang="en-US" smtClean="0"/>
               <a:t>第三级</a:t>
             </a:r>
+            <a:endParaRPr lang="zh-CN" altLang="en-US" smtClean="0"/>
           </a:p>
           <a:p>
             <a:pPr lvl="3"/>
@@ -2466,6 +2479,7 @@
               <a:rPr lang="zh-CN" altLang="en-US" smtClean="0"/>
               <a:t>第四级</a:t>
             </a:r>
+            <a:endParaRPr lang="zh-CN" altLang="en-US" smtClean="0"/>
           </a:p>
           <a:p>
             <a:pPr lvl="4"/>
@@ -2512,7 +2526,6 @@
           <a:p>
             <a:fld id="{D997B5FA-0921-464F-AAE1-844C04324D75}" type="datetimeFigureOut">
               <a:rPr lang="zh-CN" altLang="en-US" smtClean="0"/>
-              <a:t>2023/9/18</a:t>
             </a:fld>
             <a:endParaRPr lang="zh-CN" altLang="en-US"/>
           </a:p>
@@ -2590,7 +2603,6 @@
           <a:p>
             <a:fld id="{565CE74E-AB26-4998-AD42-012C4C1AD076}" type="slidenum">
               <a:rPr lang="zh-CN" altLang="en-US" smtClean="0"/>
-              <a:t>‹#›</a:t>
             </a:fld>
             <a:endParaRPr lang="zh-CN" altLang="en-US"/>
           </a:p>
@@ -2931,6 +2943,7 @@
               <a:rPr lang="zh-CN" altLang="en-US"/>
               <a:t>大模型结构图</a:t>
             </a:r>
+            <a:endParaRPr lang="zh-CN" altLang="en-US"/>
           </a:p>
         </p:txBody>
       </p:sp>
@@ -2985,6 +2998,7 @@
               <a:rPr lang="en-US"/>
               <a:t>llama</a:t>
             </a:r>
+            <a:endParaRPr lang="en-US"/>
           </a:p>
         </p:txBody>
       </p:sp>
@@ -2997,7 +3011,7 @@
           <p:nvPr/>
         </p:nvPicPr>
         <p:blipFill>
-          <a:blip r:embed="rId2"/>
+          <a:blip r:embed="rId1"/>
           <a:stretch>
             <a:fillRect/>
           </a:stretch>
@@ -3175,6 +3189,7 @@
               <a:rPr lang="en-US" dirty="0"/>
               <a:t>B</a:t>
             </a:r>
+            <a:endParaRPr lang="en-US" dirty="0"/>
           </a:p>
         </p:txBody>
       </p:sp>
@@ -3268,6 +3283,7 @@
                 <a:rPr lang="en-US" sz="1200"/>
                 <a:t>Input </a:t>
               </a:r>
+              <a:endParaRPr lang="en-US" sz="1200"/>
             </a:p>
             <a:p>
               <a:pPr algn="ctr"/>
@@ -3275,6 +3291,7 @@
                 <a:rPr lang="en-US" sz="1200"/>
                 <a:t>Embeding</a:t>
               </a:r>
+              <a:endParaRPr lang="en-US" sz="1200"/>
             </a:p>
           </p:txBody>
         </p:sp>
@@ -3369,6 +3386,7 @@
                 <a:rPr lang="en-US" sz="1200"/>
                 <a:t>Decoder</a:t>
               </a:r>
+              <a:endParaRPr lang="en-US" sz="1200"/>
             </a:p>
             <a:p>
               <a:pPr algn="ctr"/>
@@ -3376,6 +3394,7 @@
                 <a:rPr lang="en-US" sz="1200"/>
                 <a:t>Block</a:t>
               </a:r>
+              <a:endParaRPr lang="en-US" sz="1200"/>
             </a:p>
           </p:txBody>
         </p:sp>
@@ -3406,6 +3425,7 @@
               <a:rPr lang="en-US"/>
               <a:t>32 x</a:t>
             </a:r>
+            <a:endParaRPr lang="en-US"/>
           </a:p>
         </p:txBody>
       </p:sp>
@@ -3499,6 +3519,7 @@
                 <a:rPr lang="en-US" sz="1200" dirty="0"/>
                 <a:t>alibi mask</a:t>
               </a:r>
+              <a:endParaRPr lang="en-US" sz="1200" dirty="0"/>
             </a:p>
           </p:txBody>
         </p:sp>
@@ -3688,6 +3709,7 @@
                 <a:rPr lang="en-US" sz="1200" dirty="0"/>
                 <a:t>Linear</a:t>
               </a:r>
+              <a:endParaRPr lang="en-US" sz="1200" dirty="0"/>
             </a:p>
           </p:txBody>
         </p:sp>
@@ -3782,6 +3804,7 @@
                 <a:rPr lang="en-US" sz="1200" dirty="0"/>
                 <a:t>Q</a:t>
               </a:r>
+              <a:endParaRPr lang="en-US" sz="1200" dirty="0"/>
             </a:p>
           </p:txBody>
         </p:sp>
@@ -3876,6 +3899,7 @@
                 <a:rPr lang="en-US" sz="1200" dirty="0"/>
                 <a:t>K</a:t>
               </a:r>
+              <a:endParaRPr lang="en-US" sz="1200" dirty="0"/>
             </a:p>
           </p:txBody>
         </p:sp>
@@ -3970,6 +3994,7 @@
                 <a:rPr lang="en-US" sz="1200" dirty="0"/>
                 <a:t>V</a:t>
               </a:r>
+              <a:endParaRPr lang="en-US" sz="1200" dirty="0"/>
             </a:p>
           </p:txBody>
         </p:sp>
@@ -4377,6 +4402,7 @@
                 <a:rPr lang="en-US" sz="1200" dirty="0"/>
                 <a:t>Linear</a:t>
               </a:r>
+              <a:endParaRPr lang="en-US" sz="1200" dirty="0"/>
             </a:p>
           </p:txBody>
         </p:sp>
@@ -4612,6 +4638,7 @@
                 <a:rPr lang="en-US" sz="1200" dirty="0"/>
                 <a:t>Linear</a:t>
               </a:r>
+              <a:endParaRPr lang="en-US" sz="1200" dirty="0"/>
             </a:p>
           </p:txBody>
         </p:sp>
@@ -4706,6 +4733,7 @@
                 <a:rPr lang="en-US" sz="1200"/>
                 <a:t>ACT2FN</a:t>
               </a:r>
+              <a:endParaRPr lang="en-US" sz="1200"/>
             </a:p>
           </p:txBody>
         </p:sp>
@@ -4800,6 +4828,7 @@
                 <a:rPr lang="en-US" sz="1200" dirty="0"/>
                 <a:t>Linear</a:t>
               </a:r>
+              <a:endParaRPr lang="en-US" sz="1200" dirty="0"/>
             </a:p>
           </p:txBody>
         </p:sp>
@@ -5003,6 +5032,7 @@
                 <a:rPr lang="en-US" sz="1200" dirty="0"/>
                 <a:t>Linear</a:t>
               </a:r>
+              <a:endParaRPr lang="en-US" sz="1200" dirty="0"/>
             </a:p>
           </p:txBody>
         </p:sp>
@@ -5143,6 +5173,7 @@
                 <a:rPr lang="en-US" sz="1200"/>
                 <a:t>RMSNorm</a:t>
               </a:r>
+              <a:endParaRPr lang="en-US" sz="1200"/>
             </a:p>
           </p:txBody>
         </p:sp>
@@ -5237,6 +5268,7 @@
                 <a:rPr lang="en-US" sz="1200"/>
                 <a:t>Linear</a:t>
               </a:r>
+              <a:endParaRPr lang="en-US" sz="1200"/>
             </a:p>
           </p:txBody>
         </p:sp>
@@ -6479,8 +6511,8 @@
         </p:nvSpPr>
         <p:spPr>
           <a:xfrm>
-            <a:off x="5890661" y="2817185"/>
-            <a:ext cx="1103230" cy="369332"/>
+            <a:off x="5890895" y="2817495"/>
+            <a:ext cx="1311275" cy="368300"/>
           </a:xfrm>
           <a:prstGeom prst="rect">
             <a:avLst/>
@@ -6509,8 +6541,8 @@
         </p:nvSpPr>
         <p:spPr>
           <a:xfrm>
-            <a:off x="5870044" y="342330"/>
-            <a:ext cx="1436083" cy="369332"/>
+            <a:off x="5869940" y="342265"/>
+            <a:ext cx="1647825" cy="368300"/>
           </a:xfrm>
           <a:prstGeom prst="rect">
             <a:avLst/>
@@ -6690,6 +6722,7 @@
               <a:rPr lang="en-US" altLang="zh-CN" dirty="0" smtClean="0"/>
               <a:t>Chatglm2</a:t>
             </a:r>
+            <a:endParaRPr lang="en-US" altLang="zh-CN" dirty="0" smtClean="0"/>
           </a:p>
         </p:txBody>
       </p:sp>
@@ -6783,6 +6816,7 @@
                 <a:rPr lang="en-US" sz="1200" dirty="0"/>
                 <a:t>Input </a:t>
               </a:r>
+              <a:endParaRPr lang="en-US" sz="1200" dirty="0"/>
             </a:p>
             <a:p>
               <a:pPr algn="ctr"/>
@@ -6885,6 +6919,7 @@
                 <a:rPr lang="en-US" sz="1200"/>
                 <a:t>Decoder</a:t>
               </a:r>
+              <a:endParaRPr lang="en-US" sz="1200"/>
             </a:p>
             <a:p>
               <a:pPr algn="ctr"/>
@@ -6892,6 +6927,7 @@
                 <a:rPr lang="en-US" sz="1200"/>
                 <a:t>Block</a:t>
               </a:r>
+              <a:endParaRPr lang="en-US" sz="1200"/>
             </a:p>
           </p:txBody>
         </p:sp>
@@ -6922,6 +6958,7 @@
               <a:rPr lang="en-US"/>
               <a:t>32 x</a:t>
             </a:r>
+            <a:endParaRPr lang="en-US"/>
           </a:p>
         </p:txBody>
       </p:sp>
@@ -7012,13 +7049,10 @@
             <a:p>
               <a:pPr algn="ctr"/>
               <a:r>
-                <a:rPr lang="en-US" sz="1200" dirty="0" smtClean="0"/>
-                <a:t> </a:t>
-              </a:r>
-              <a:r>
                 <a:rPr lang="en-US" sz="1200" dirty="0"/>
                 <a:t>mask</a:t>
               </a:r>
+              <a:endParaRPr lang="en-US" sz="1200" dirty="0"/>
             </a:p>
           </p:txBody>
         </p:sp>
@@ -7208,6 +7242,7 @@
                 <a:rPr lang="en-US" sz="1200" dirty="0"/>
                 <a:t>Linear</a:t>
               </a:r>
+              <a:endParaRPr lang="en-US" sz="1200" dirty="0"/>
             </a:p>
           </p:txBody>
         </p:sp>
@@ -7302,6 +7337,7 @@
                 <a:rPr lang="en-US" sz="1200" dirty="0"/>
                 <a:t>Q</a:t>
               </a:r>
+              <a:endParaRPr lang="en-US" sz="1200" dirty="0"/>
             </a:p>
           </p:txBody>
         </p:sp>
@@ -7396,6 +7432,7 @@
                 <a:rPr lang="en-US" sz="1200" dirty="0"/>
                 <a:t>K</a:t>
               </a:r>
+              <a:endParaRPr lang="en-US" sz="1200" dirty="0"/>
             </a:p>
           </p:txBody>
         </p:sp>
@@ -7490,6 +7527,7 @@
                 <a:rPr lang="en-US" sz="1200" dirty="0"/>
                 <a:t>V</a:t>
               </a:r>
+              <a:endParaRPr lang="en-US" sz="1200" dirty="0"/>
             </a:p>
           </p:txBody>
         </p:sp>
@@ -7897,6 +7935,7 @@
                 <a:rPr lang="en-US" sz="1200" dirty="0"/>
                 <a:t>Linear</a:t>
               </a:r>
+              <a:endParaRPr lang="en-US" sz="1200" dirty="0"/>
             </a:p>
           </p:txBody>
         </p:sp>
@@ -8132,6 +8171,7 @@
                 <a:rPr lang="en-US" sz="1200" dirty="0"/>
                 <a:t>Linear</a:t>
               </a:r>
+              <a:endParaRPr lang="en-US" sz="1200" dirty="0"/>
             </a:p>
           </p:txBody>
         </p:sp>
@@ -8272,6 +8312,7 @@
                 <a:rPr lang="en-US" sz="1200"/>
                 <a:t>RMSNorm</a:t>
               </a:r>
+              <a:endParaRPr lang="en-US" sz="1200"/>
             </a:p>
           </p:txBody>
         </p:sp>
@@ -8366,6 +8407,7 @@
                 <a:rPr lang="en-US" sz="1200"/>
                 <a:t>Linear</a:t>
               </a:r>
+              <a:endParaRPr lang="en-US" sz="1200"/>
             </a:p>
           </p:txBody>
         </p:sp>
@@ -9358,8 +9400,8 @@
         </p:nvSpPr>
         <p:spPr>
           <a:xfrm>
-            <a:off x="5890661" y="2817185"/>
-            <a:ext cx="1103230" cy="369332"/>
+            <a:off x="5906770" y="2489835"/>
+            <a:ext cx="1292860" cy="368300"/>
           </a:xfrm>
           <a:prstGeom prst="rect">
             <a:avLst/>
@@ -9388,8 +9430,8 @@
         </p:nvSpPr>
         <p:spPr>
           <a:xfrm>
-            <a:off x="5870044" y="342330"/>
-            <a:ext cx="1436083" cy="369332"/>
+            <a:off x="5869940" y="342265"/>
+            <a:ext cx="1647190" cy="368300"/>
           </a:xfrm>
           <a:prstGeom prst="rect">
             <a:avLst/>
@@ -9418,10 +9460,10 @@
         </p:nvGrpSpPr>
         <p:grpSpPr>
           <a:xfrm>
-            <a:off x="7203815" y="4795835"/>
-            <a:ext cx="508847" cy="288000"/>
-            <a:chOff x="9263196" y="4109565"/>
-            <a:chExt cx="508847" cy="288000"/>
+            <a:off x="7078979" y="4795520"/>
+            <a:ext cx="633729" cy="288164"/>
+            <a:chOff x="9240761" y="4109565"/>
+            <a:chExt cx="508846" cy="288000"/>
           </a:xfrm>
         </p:grpSpPr>
         <p:sp>
@@ -9478,8 +9520,8 @@
           </p:nvSpPr>
           <p:spPr>
             <a:xfrm>
-              <a:off x="9263197" y="4116747"/>
-              <a:ext cx="508846" cy="276999"/>
+              <a:off x="9240761" y="4116747"/>
+              <a:ext cx="508846" cy="275433"/>
             </a:xfrm>
             <a:prstGeom prst="rect">
               <a:avLst/>
@@ -9513,8 +9555,8 @@
         </p:nvGrpSpPr>
         <p:grpSpPr>
           <a:xfrm>
-            <a:off x="7749637" y="4795835"/>
-            <a:ext cx="508847" cy="288000"/>
+            <a:off x="7784465" y="4795520"/>
+            <a:ext cx="565785" cy="288290"/>
             <a:chOff x="9263196" y="4109565"/>
             <a:chExt cx="508847" cy="288000"/>
           </a:xfrm>
@@ -9574,7 +9616,7 @@
           <p:spPr>
             <a:xfrm>
               <a:off x="9263197" y="4116747"/>
-              <a:ext cx="508846" cy="276999"/>
+              <a:ext cx="508846" cy="275313"/>
             </a:xfrm>
             <a:prstGeom prst="rect">
               <a:avLst/>
@@ -9611,8 +9653,8 @@
         </p:nvCxnSpPr>
         <p:spPr>
           <a:xfrm flipV="1">
-            <a:off x="7951161" y="5083835"/>
-            <a:ext cx="41200" cy="106624"/>
+            <a:off x="7951161" y="5083779"/>
+            <a:ext cx="102870" cy="106680"/>
           </a:xfrm>
           <a:prstGeom prst="straightConnector1">
             <a:avLst/>
@@ -9647,8 +9689,8 @@
         </p:nvCxnSpPr>
         <p:spPr>
           <a:xfrm flipH="1" flipV="1">
-            <a:off x="7446539" y="5083835"/>
-            <a:ext cx="70812" cy="106624"/>
+            <a:off x="7409401" y="5083779"/>
+            <a:ext cx="108585" cy="106680"/>
           </a:xfrm>
           <a:prstGeom prst="straightConnector1">
             <a:avLst/>
@@ -9683,8 +9725,8 @@
         </p:nvCxnSpPr>
         <p:spPr>
           <a:xfrm rot="16200000" flipV="1">
-            <a:off x="7811137" y="4614611"/>
-            <a:ext cx="204529" cy="157920"/>
+            <a:off x="7842250" y="4583430"/>
+            <a:ext cx="204470" cy="219710"/>
           </a:xfrm>
           <a:prstGeom prst="bentConnector2">
             <a:avLst/>
@@ -9718,9 +9760,9 @@
           <p:nvPr/>
         </p:nvCxnSpPr>
         <p:spPr>
-          <a:xfrm rot="5400000" flipH="1" flipV="1">
-            <a:off x="7430226" y="4607620"/>
-            <a:ext cx="204529" cy="171902"/>
+          <a:xfrm rot="16200000">
+            <a:off x="7411720" y="4588510"/>
+            <a:ext cx="204470" cy="209550"/>
           </a:xfrm>
           <a:prstGeom prst="bentConnector2">
             <a:avLst/>
@@ -9745,11 +9787,6 @@
         </p:style>
       </p:cxnSp>
     </p:spTree>
-    <p:extLst>
-      <p:ext uri="{BB962C8B-B14F-4D97-AF65-F5344CB8AC3E}">
-        <p14:creationId xmlns:p14="http://schemas.microsoft.com/office/powerpoint/2010/main" val="2429531052"/>
-      </p:ext>
-    </p:extLst>
   </p:cSld>
   <p:clrMapOvr>
     <a:masterClrMapping/>
@@ -10008,8 +10045,6 @@
       </a:bgFillStyleLst>
     </a:fmtScheme>
   </a:themeElements>
-  <a:objectDefaults/>
-  <a:extraClrSchemeLst/>
   <a:extLst>
     <a:ext uri="{05A4C25C-085E-4340-85A3-A5531E510DB2}">
       <thm15:themeFamily xmlns:thm15="http://schemas.microsoft.com/office/thememl/2012/main" name="Office Theme" id="{62F939B6-93AF-4DB8-9C6B-D6C7DFDC589F}" vid="{4A3C46E8-61CC-4603-A589-7422A47A8E4A}"/>
